--- a/poster/Poster A1, Bitmessage for Android, Christian Basler.pptx
+++ b/poster/Poster A1, Bitmessage for Android, Christian Basler.pptx
@@ -188,14 +188,14 @@
             <a:noFill/>
           </a:ln>
           <a:extLst>
-            <a:ext uri="{909E8E84-426E-40DD-AFC4-6F175D3DCCD1}">
+            <a:ext uri="{909E8E84-426E-40dd-AFC4-6F175D3DCCD1}">
               <a14:hiddenFill xmlns:a14="http://schemas.microsoft.com/office/drawing/2010/main">
                 <a:solidFill>
                   <a:srgbClr val="FFFFFF"/>
                 </a:solidFill>
               </a14:hiddenFill>
             </a:ext>
-            <a:ext uri="{91240B29-F687-4F45-9708-019B960494DF}">
+            <a:ext uri="{91240B29-F687-4f45-9708-019B960494DF}">
               <a14:hiddenLine xmlns:a14="http://schemas.microsoft.com/office/drawing/2010/main" w="9525">
                 <a:solidFill>
                   <a:srgbClr val="000000"/>
@@ -273,14 +273,14 @@
             <a:noFill/>
           </a:ln>
           <a:extLst>
-            <a:ext uri="{909E8E84-426E-40DD-AFC4-6F175D3DCCD1}">
+            <a:ext uri="{909E8E84-426E-40dd-AFC4-6F175D3DCCD1}">
               <a14:hiddenFill xmlns:a14="http://schemas.microsoft.com/office/drawing/2010/main">
                 <a:solidFill>
                   <a:srgbClr val="FFFFFF"/>
                 </a:solidFill>
               </a14:hiddenFill>
             </a:ext>
-            <a:ext uri="{91240B29-F687-4F45-9708-019B960494DF}">
+            <a:ext uri="{91240B29-F687-4f45-9708-019B960494DF}">
               <a14:hiddenLine xmlns:a14="http://schemas.microsoft.com/office/drawing/2010/main" w="9525">
                 <a:solidFill>
                   <a:srgbClr val="000000"/>
@@ -501,7 +501,7 @@
   <p:timing>
     <p:tnLst>
       <p:par>
-        <p:cTn id="1" dur="indefinite" restart="never" nodeType="tmRoot"/>
+        <p:cTn xmlns:p14="http://schemas.microsoft.com/office/powerpoint/2010/main" id="1" dur="indefinite" restart="never" nodeType="tmRoot"/>
       </p:par>
     </p:tnLst>
   </p:timing>
@@ -952,7 +952,7 @@
           </a:prstGeom>
           <a:noFill/>
           <a:extLst>
-            <a:ext uri="{909E8E84-426E-40DD-AFC4-6F175D3DCCD1}">
+            <a:ext uri="{909E8E84-426E-40dd-AFC4-6F175D3DCCD1}">
               <a14:hiddenFill xmlns:a14="http://schemas.microsoft.com/office/drawing/2010/main">
                 <a:solidFill>
                   <a:srgbClr val="FFFFFF"/>
@@ -1568,7 +1568,7 @@
         <p:spPr>
           <a:xfrm>
             <a:off x="898776" y="896767"/>
-            <a:ext cx="8845847" cy="13572946"/>
+            <a:ext cx="8845847" cy="16527607"/>
           </a:xfrm>
           <a:prstGeom prst="rect">
             <a:avLst/>
@@ -1721,11 +1721,68 @@
               <a:rPr lang="en-US" altLang="de-DE" sz="3200" dirty="0" smtClean="0">
                 <a:latin typeface="Lucida Sans" pitchFamily="34" charset="0"/>
               </a:rPr>
-              <a:t>access – not quite the prefect basis for a mobile app.</a:t>
-            </a:r>
-            <a:endParaRPr lang="en-GB" altLang="de-DE" sz="3200" dirty="0">
+              <a:t>access – not quite the prefect basis for a mobile app</a:t>
+            </a:r>
+            <a:r>
+              <a:rPr lang="en-US" altLang="de-DE" sz="3200" dirty="0" smtClean="0">
+                <a:latin typeface="Lucida Sans" pitchFamily="34" charset="0"/>
+              </a:rPr>
+              <a:t>.</a:t>
+            </a:r>
+          </a:p>
+          <a:p>
+            <a:pPr algn="just">
+              <a:buClr>
+                <a:srgbClr val="FAA500"/>
+              </a:buClr>
+              <a:buSzPct val="80000"/>
+              <a:defRPr/>
+            </a:pPr>
+            <a:endParaRPr lang="en-US" altLang="de-DE" sz="3200" dirty="0" smtClean="0">
               <a:latin typeface="Lucida Sans" pitchFamily="34" charset="0"/>
             </a:endParaRPr>
+          </a:p>
+          <a:p>
+            <a:pPr algn="just">
+              <a:buClr>
+                <a:srgbClr val="FAA500"/>
+              </a:buClr>
+              <a:buSzPct val="80000"/>
+              <a:defRPr/>
+            </a:pPr>
+            <a:endParaRPr lang="en-US" altLang="de-DE" sz="3200" i="1" dirty="0">
+              <a:latin typeface="Lucida Sans" pitchFamily="34" charset="0"/>
+            </a:endParaRPr>
+          </a:p>
+          <a:p>
+            <a:pPr algn="r">
+              <a:buClr>
+                <a:srgbClr val="FAA500"/>
+              </a:buClr>
+              <a:buSzPct val="80000"/>
+              <a:defRPr/>
+            </a:pPr>
+            <a:r>
+              <a:rPr lang="en-US" altLang="de-DE" sz="3200" i="1" dirty="0" smtClean="0">
+                <a:latin typeface="Lucida Sans" pitchFamily="34" charset="0"/>
+              </a:rPr>
+              <a:t>Scan this QR code to get more               .</a:t>
+            </a:r>
+          </a:p>
+          <a:p>
+            <a:pPr algn="r">
+              <a:buClr>
+                <a:srgbClr val="FAA500"/>
+              </a:buClr>
+              <a:buSzPct val="80000"/>
+              <a:defRPr/>
+            </a:pPr>
+            <a:r>
+              <a:rPr lang="en-US" altLang="de-DE" sz="3200" i="1" dirty="0" smtClean="0">
+                <a:latin typeface="Lucida Sans" pitchFamily="34" charset="0"/>
+              </a:rPr>
+              <a:t>information about the app               .</a:t>
+            </a:r>
           </a:p>
         </p:txBody>
       </p:sp>
@@ -1738,7 +1795,7 @@
         <p:spPr>
           <a:xfrm>
             <a:off x="10822475" y="896767"/>
-            <a:ext cx="8845847" cy="16527601"/>
+            <a:ext cx="8845847" cy="769441"/>
           </a:xfrm>
           <a:prstGeom prst="rect">
             <a:avLst/>
@@ -1771,360 +1828,6 @@
               <a:solidFill>
                 <a:srgbClr val="697D91"/>
               </a:solidFill>
-              <a:latin typeface="Lucida Sans" pitchFamily="34" charset="0"/>
-            </a:endParaRPr>
-          </a:p>
-          <a:p>
-            <a:pPr algn="just">
-              <a:buClr>
-                <a:srgbClr val="FAA500"/>
-              </a:buClr>
-              <a:buSzPct val="80000"/>
-              <a:defRPr/>
-            </a:pPr>
-            <a:endParaRPr lang="en-GB" altLang="de-DE" sz="3200" dirty="0" smtClean="0">
-              <a:latin typeface="Lucida Sans" pitchFamily="34" charset="0"/>
-            </a:endParaRPr>
-          </a:p>
-          <a:p>
-            <a:pPr algn="just">
-              <a:buClr>
-                <a:srgbClr val="FAA500"/>
-              </a:buClr>
-              <a:buSzPct val="80000"/>
-              <a:defRPr/>
-            </a:pPr>
-            <a:endParaRPr lang="en-GB" altLang="de-DE" sz="3200" dirty="0" smtClean="0">
-              <a:latin typeface="Lucida Sans" pitchFamily="34" charset="0"/>
-            </a:endParaRPr>
-          </a:p>
-          <a:p>
-            <a:pPr algn="just">
-              <a:buClr>
-                <a:srgbClr val="FAA500"/>
-              </a:buClr>
-              <a:buSzPct val="80000"/>
-              <a:defRPr/>
-            </a:pPr>
-            <a:endParaRPr lang="en-GB" altLang="de-DE" sz="3200" dirty="0">
-              <a:latin typeface="Lucida Sans" pitchFamily="34" charset="0"/>
-            </a:endParaRPr>
-          </a:p>
-          <a:p>
-            <a:pPr algn="just">
-              <a:buClr>
-                <a:srgbClr val="FAA500"/>
-              </a:buClr>
-              <a:buSzPct val="80000"/>
-              <a:defRPr/>
-            </a:pPr>
-            <a:endParaRPr lang="en-GB" altLang="de-DE" sz="3200" dirty="0" smtClean="0">
-              <a:latin typeface="Lucida Sans" pitchFamily="34" charset="0"/>
-            </a:endParaRPr>
-          </a:p>
-          <a:p>
-            <a:pPr algn="just">
-              <a:buClr>
-                <a:srgbClr val="FAA500"/>
-              </a:buClr>
-              <a:buSzPct val="80000"/>
-              <a:defRPr/>
-            </a:pPr>
-            <a:endParaRPr lang="en-GB" altLang="de-DE" sz="3200" dirty="0">
-              <a:latin typeface="Lucida Sans" pitchFamily="34" charset="0"/>
-            </a:endParaRPr>
-          </a:p>
-          <a:p>
-            <a:pPr algn="just">
-              <a:buClr>
-                <a:srgbClr val="FAA500"/>
-              </a:buClr>
-              <a:buSzPct val="80000"/>
-              <a:defRPr/>
-            </a:pPr>
-            <a:endParaRPr lang="en-GB" altLang="de-DE" sz="3200" dirty="0" smtClean="0">
-              <a:latin typeface="Lucida Sans" pitchFamily="34" charset="0"/>
-            </a:endParaRPr>
-          </a:p>
-          <a:p>
-            <a:pPr algn="just">
-              <a:buClr>
-                <a:srgbClr val="FAA500"/>
-              </a:buClr>
-              <a:buSzPct val="80000"/>
-              <a:defRPr/>
-            </a:pPr>
-            <a:endParaRPr lang="en-GB" altLang="de-DE" sz="3200" dirty="0">
-              <a:latin typeface="Lucida Sans" pitchFamily="34" charset="0"/>
-            </a:endParaRPr>
-          </a:p>
-          <a:p>
-            <a:pPr algn="just">
-              <a:buClr>
-                <a:srgbClr val="FAA500"/>
-              </a:buClr>
-              <a:buSzPct val="80000"/>
-              <a:defRPr/>
-            </a:pPr>
-            <a:endParaRPr lang="en-GB" altLang="de-DE" sz="3200" dirty="0" smtClean="0">
-              <a:latin typeface="Lucida Sans" pitchFamily="34" charset="0"/>
-            </a:endParaRPr>
-          </a:p>
-          <a:p>
-            <a:pPr algn="just">
-              <a:buClr>
-                <a:srgbClr val="FAA500"/>
-              </a:buClr>
-              <a:buSzPct val="80000"/>
-              <a:defRPr/>
-            </a:pPr>
-            <a:endParaRPr lang="en-GB" altLang="de-DE" sz="3200" dirty="0">
-              <a:latin typeface="Lucida Sans" pitchFamily="34" charset="0"/>
-            </a:endParaRPr>
-          </a:p>
-          <a:p>
-            <a:pPr algn="just">
-              <a:buClr>
-                <a:srgbClr val="FAA500"/>
-              </a:buClr>
-              <a:buSzPct val="80000"/>
-              <a:defRPr/>
-            </a:pPr>
-            <a:endParaRPr lang="en-GB" altLang="de-DE" sz="3200" dirty="0" smtClean="0">
-              <a:latin typeface="Lucida Sans" pitchFamily="34" charset="0"/>
-            </a:endParaRPr>
-          </a:p>
-          <a:p>
-            <a:pPr algn="just">
-              <a:buClr>
-                <a:srgbClr val="FAA500"/>
-              </a:buClr>
-              <a:buSzPct val="80000"/>
-              <a:defRPr/>
-            </a:pPr>
-            <a:endParaRPr lang="en-GB" altLang="de-DE" sz="3200" dirty="0">
-              <a:latin typeface="Lucida Sans" pitchFamily="34" charset="0"/>
-            </a:endParaRPr>
-          </a:p>
-          <a:p>
-            <a:pPr algn="just">
-              <a:buClr>
-                <a:srgbClr val="FAA500"/>
-              </a:buClr>
-              <a:buSzPct val="80000"/>
-              <a:defRPr/>
-            </a:pPr>
-            <a:endParaRPr lang="en-GB" altLang="de-DE" sz="3200" dirty="0" smtClean="0">
-              <a:latin typeface="Lucida Sans" pitchFamily="34" charset="0"/>
-            </a:endParaRPr>
-          </a:p>
-          <a:p>
-            <a:pPr algn="just">
-              <a:buClr>
-                <a:srgbClr val="FAA500"/>
-              </a:buClr>
-              <a:buSzPct val="80000"/>
-              <a:defRPr/>
-            </a:pPr>
-            <a:endParaRPr lang="en-GB" altLang="de-DE" sz="3200" dirty="0">
-              <a:latin typeface="Lucida Sans" pitchFamily="34" charset="0"/>
-            </a:endParaRPr>
-          </a:p>
-          <a:p>
-            <a:pPr algn="just">
-              <a:buClr>
-                <a:srgbClr val="FAA500"/>
-              </a:buClr>
-              <a:buSzPct val="80000"/>
-              <a:defRPr/>
-            </a:pPr>
-            <a:endParaRPr lang="en-GB" altLang="de-DE" sz="3200" dirty="0" smtClean="0">
-              <a:latin typeface="Lucida Sans" pitchFamily="34" charset="0"/>
-            </a:endParaRPr>
-          </a:p>
-          <a:p>
-            <a:pPr algn="just">
-              <a:buClr>
-                <a:srgbClr val="FAA500"/>
-              </a:buClr>
-              <a:buSzPct val="80000"/>
-              <a:defRPr/>
-            </a:pPr>
-            <a:endParaRPr lang="en-GB" altLang="de-DE" sz="3200" dirty="0">
-              <a:latin typeface="Lucida Sans" pitchFamily="34" charset="0"/>
-            </a:endParaRPr>
-          </a:p>
-          <a:p>
-            <a:pPr algn="just">
-              <a:buClr>
-                <a:srgbClr val="FAA500"/>
-              </a:buClr>
-              <a:buSzPct val="80000"/>
-              <a:defRPr/>
-            </a:pPr>
-            <a:endParaRPr lang="en-GB" altLang="de-DE" sz="3200" dirty="0" smtClean="0">
-              <a:latin typeface="Lucida Sans" pitchFamily="34" charset="0"/>
-            </a:endParaRPr>
-          </a:p>
-          <a:p>
-            <a:pPr algn="just">
-              <a:buClr>
-                <a:srgbClr val="FAA500"/>
-              </a:buClr>
-              <a:buSzPct val="80000"/>
-              <a:defRPr/>
-            </a:pPr>
-            <a:endParaRPr lang="en-GB" altLang="de-DE" sz="3200" dirty="0">
-              <a:latin typeface="Lucida Sans" pitchFamily="34" charset="0"/>
-            </a:endParaRPr>
-          </a:p>
-          <a:p>
-            <a:pPr algn="just">
-              <a:buClr>
-                <a:srgbClr val="FAA500"/>
-              </a:buClr>
-              <a:buSzPct val="80000"/>
-              <a:defRPr/>
-            </a:pPr>
-            <a:endParaRPr lang="en-GB" altLang="de-DE" sz="3200" dirty="0" smtClean="0">
-              <a:latin typeface="Lucida Sans" pitchFamily="34" charset="0"/>
-            </a:endParaRPr>
-          </a:p>
-          <a:p>
-            <a:pPr algn="just">
-              <a:buClr>
-                <a:srgbClr val="FAA500"/>
-              </a:buClr>
-              <a:buSzPct val="80000"/>
-              <a:defRPr/>
-            </a:pPr>
-            <a:endParaRPr lang="en-GB" altLang="de-DE" sz="3200" dirty="0">
-              <a:latin typeface="Lucida Sans" pitchFamily="34" charset="0"/>
-            </a:endParaRPr>
-          </a:p>
-          <a:p>
-            <a:pPr algn="just">
-              <a:buClr>
-                <a:srgbClr val="FAA500"/>
-              </a:buClr>
-              <a:buSzPct val="80000"/>
-              <a:defRPr/>
-            </a:pPr>
-            <a:endParaRPr lang="en-GB" altLang="de-DE" sz="3200" dirty="0" smtClean="0">
-              <a:latin typeface="Lucida Sans" pitchFamily="34" charset="0"/>
-            </a:endParaRPr>
-          </a:p>
-          <a:p>
-            <a:pPr algn="just">
-              <a:buClr>
-                <a:srgbClr val="FAA500"/>
-              </a:buClr>
-              <a:buSzPct val="80000"/>
-              <a:defRPr/>
-            </a:pPr>
-            <a:endParaRPr lang="en-GB" altLang="de-DE" sz="3200" dirty="0">
-              <a:latin typeface="Lucida Sans" pitchFamily="34" charset="0"/>
-            </a:endParaRPr>
-          </a:p>
-          <a:p>
-            <a:pPr algn="just">
-              <a:buClr>
-                <a:srgbClr val="FAA500"/>
-              </a:buClr>
-              <a:buSzPct val="80000"/>
-              <a:defRPr/>
-            </a:pPr>
-            <a:endParaRPr lang="en-GB" altLang="de-DE" sz="3200" dirty="0" smtClean="0">
-              <a:latin typeface="Lucida Sans" pitchFamily="34" charset="0"/>
-            </a:endParaRPr>
-          </a:p>
-          <a:p>
-            <a:pPr algn="just">
-              <a:buClr>
-                <a:srgbClr val="FAA500"/>
-              </a:buClr>
-              <a:buSzPct val="80000"/>
-              <a:defRPr/>
-            </a:pPr>
-            <a:endParaRPr lang="en-GB" altLang="de-DE" sz="3200" dirty="0">
-              <a:latin typeface="Lucida Sans" pitchFamily="34" charset="0"/>
-            </a:endParaRPr>
-          </a:p>
-          <a:p>
-            <a:pPr algn="just">
-              <a:buClr>
-                <a:srgbClr val="FAA500"/>
-              </a:buClr>
-              <a:buSzPct val="80000"/>
-              <a:defRPr/>
-            </a:pPr>
-            <a:endParaRPr lang="en-GB" altLang="de-DE" sz="3200" dirty="0" smtClean="0">
-              <a:latin typeface="Lucida Sans" pitchFamily="34" charset="0"/>
-            </a:endParaRPr>
-          </a:p>
-          <a:p>
-            <a:pPr algn="just">
-              <a:buClr>
-                <a:srgbClr val="FAA500"/>
-              </a:buClr>
-              <a:buSzPct val="80000"/>
-              <a:defRPr/>
-            </a:pPr>
-            <a:endParaRPr lang="en-GB" altLang="de-DE" sz="3200" dirty="0" smtClean="0">
-              <a:latin typeface="Lucida Sans" pitchFamily="34" charset="0"/>
-            </a:endParaRPr>
-          </a:p>
-          <a:p>
-            <a:pPr algn="just">
-              <a:buClr>
-                <a:srgbClr val="FAA500"/>
-              </a:buClr>
-              <a:buSzPct val="80000"/>
-              <a:defRPr/>
-            </a:pPr>
-            <a:endParaRPr lang="en-GB" altLang="de-DE" sz="3200" dirty="0">
-              <a:latin typeface="Lucida Sans" pitchFamily="34" charset="0"/>
-            </a:endParaRPr>
-          </a:p>
-          <a:p>
-            <a:pPr algn="just">
-              <a:buClr>
-                <a:srgbClr val="FAA500"/>
-              </a:buClr>
-              <a:buSzPct val="80000"/>
-              <a:defRPr/>
-            </a:pPr>
-            <a:r>
-              <a:rPr lang="en-GB" altLang="de-DE" sz="3200" dirty="0" smtClean="0">
-                <a:latin typeface="Lucida Sans" pitchFamily="34" charset="0"/>
-              </a:rPr>
-              <a:t>The </a:t>
-            </a:r>
-            <a:r>
-              <a:rPr lang="en-GB" altLang="de-DE" sz="3200" dirty="0">
-                <a:latin typeface="Lucida Sans" pitchFamily="34" charset="0"/>
-              </a:rPr>
-              <a:t>app looks just like any e-mail app, apart from two specialities: the identity in the orange part on top, and the switch called ‘full node’ at the bottom. The first is how </a:t>
-            </a:r>
-            <a:r>
-              <a:rPr lang="en-GB" altLang="de-DE" sz="3200" dirty="0" smtClean="0">
-                <a:latin typeface="Lucida Sans" pitchFamily="34" charset="0"/>
-              </a:rPr>
-              <a:t>addresses </a:t>
-            </a:r>
-            <a:r>
-              <a:rPr lang="en-GB" altLang="de-DE" sz="3200" dirty="0">
-                <a:latin typeface="Lucida Sans" pitchFamily="34" charset="0"/>
-              </a:rPr>
-              <a:t>look like in Bitmessage, and the latter starts the resource hungry connection to the Bitmessage network</a:t>
-            </a:r>
-            <a:r>
-              <a:rPr lang="en-GB" altLang="de-DE" sz="3200" dirty="0" smtClean="0">
-                <a:latin typeface="Lucida Sans" pitchFamily="34" charset="0"/>
-              </a:rPr>
-              <a:t>.</a:t>
-            </a:r>
-            <a:endParaRPr lang="en-GB" altLang="de-DE" sz="3200" dirty="0">
               <a:latin typeface="Lucida Sans" pitchFamily="34" charset="0"/>
             </a:endParaRPr>
           </a:p>
@@ -2153,15 +1856,15 @@
         </p:blipFill>
         <p:spPr bwMode="auto">
           <a:xfrm>
-            <a:off x="6677247" y="14213055"/>
-            <a:ext cx="3067376" cy="3067376"/>
+            <a:off x="7737101" y="15406597"/>
+            <a:ext cx="2007521" cy="2007521"/>
           </a:xfrm>
           <a:prstGeom prst="rect">
             <a:avLst/>
           </a:prstGeom>
           <a:noFill/>
           <a:extLst>
-            <a:ext uri="{909E8E84-426E-40DD-AFC4-6F175D3DCCD1}">
+            <a:ext uri="{909E8E84-426E-40dd-AFC4-6F175D3DCCD1}">
               <a14:hiddenFill xmlns:a14="http://schemas.microsoft.com/office/drawing/2010/main">
                 <a:solidFill>
                   <a:srgbClr val="FFFFFF"/>
@@ -2180,7 +1883,7 @@
         <p:spPr>
           <a:xfrm>
             <a:off x="20508884" y="896767"/>
-            <a:ext cx="8845847" cy="1754326"/>
+            <a:ext cx="8845847" cy="11480068"/>
           </a:xfrm>
           <a:prstGeom prst="rect">
             <a:avLst/>
@@ -2214,6 +1917,156 @@
                 <a:srgbClr val="697D91"/>
               </a:solidFill>
               <a:latin typeface="Lucida Sans" pitchFamily="34" charset="0"/>
+            </a:endParaRPr>
+          </a:p>
+          <a:p>
+            <a:pPr algn="just">
+              <a:buClr>
+                <a:srgbClr val="FAA500"/>
+              </a:buClr>
+              <a:buSzPct val="80000"/>
+              <a:defRPr/>
+            </a:pPr>
+            <a:endParaRPr lang="en-GB" altLang="de-DE" sz="3200" dirty="0" smtClean="0">
+              <a:latin typeface="Lucida Sans" pitchFamily="34" charset="0"/>
+            </a:endParaRPr>
+          </a:p>
+          <a:p>
+            <a:pPr algn="just">
+              <a:buClr>
+                <a:srgbClr val="FAA500"/>
+              </a:buClr>
+              <a:buSzPct val="80000"/>
+              <a:defRPr/>
+            </a:pPr>
+            <a:r>
+              <a:rPr lang="en-GB" altLang="de-DE" sz="3200" dirty="0" err="1" smtClean="0">
+                <a:latin typeface="Lucida Sans" pitchFamily="34" charset="0"/>
+              </a:rPr>
+              <a:t>Bitmessage</a:t>
+            </a:r>
+            <a:r>
+              <a:rPr lang="en-GB" altLang="de-DE" sz="3200" dirty="0" smtClean="0">
+                <a:latin typeface="Lucida Sans" pitchFamily="34" charset="0"/>
+              </a:rPr>
+              <a:t> is a peer to peer messaging protocol that builds a mesh network among the participating clients. Every client tries to maintain multiple connections to other network nodes and has a full copy of every current object.</a:t>
+            </a:r>
+          </a:p>
+          <a:p>
+            <a:pPr algn="just">
+              <a:buClr>
+                <a:srgbClr val="FAA500"/>
+              </a:buClr>
+              <a:buSzPct val="80000"/>
+              <a:defRPr/>
+            </a:pPr>
+            <a:r>
+              <a:rPr lang="en-GB" altLang="de-DE" sz="3200" dirty="0" smtClean="0">
+                <a:latin typeface="Lucida Sans" pitchFamily="34" charset="0"/>
+              </a:rPr>
+              <a:t>Objects are encrypted using a public key. Every client tries to decrypt each new object using its private keys, processing the ones where it succeeds.</a:t>
+            </a:r>
+          </a:p>
+          <a:p>
+            <a:pPr algn="just">
+              <a:buClr>
+                <a:srgbClr val="FAA500"/>
+              </a:buClr>
+              <a:buSzPct val="80000"/>
+              <a:defRPr/>
+            </a:pPr>
+            <a:r>
+              <a:rPr lang="en-GB" altLang="de-DE" sz="3200" dirty="0" smtClean="0">
+                <a:latin typeface="Lucida Sans" pitchFamily="34" charset="0"/>
+              </a:rPr>
+              <a:t>A big advantage of </a:t>
+            </a:r>
+            <a:r>
+              <a:rPr lang="en-GB" altLang="de-DE" sz="3200" dirty="0" err="1" smtClean="0">
+                <a:latin typeface="Lucida Sans" pitchFamily="34" charset="0"/>
+              </a:rPr>
+              <a:t>Bitmessage</a:t>
+            </a:r>
+            <a:r>
+              <a:rPr lang="en-GB" altLang="de-DE" sz="3200" dirty="0" smtClean="0">
+                <a:latin typeface="Lucida Sans" pitchFamily="34" charset="0"/>
+              </a:rPr>
+              <a:t> is its inherent key management. The address contains a hash of the public key, and retrieving said key is an integral part of the protocol.</a:t>
+            </a:r>
+            <a:r>
+              <a:rPr lang="en-GB" altLang="de-DE" sz="3200" dirty="0">
+                <a:latin typeface="Lucida Sans" pitchFamily="34" charset="0"/>
+              </a:rPr>
+              <a:t> </a:t>
+            </a:r>
+            <a:r>
+              <a:rPr lang="en-GB" altLang="de-DE" sz="3200" dirty="0" smtClean="0">
+                <a:latin typeface="Lucida Sans" pitchFamily="34" charset="0"/>
+              </a:rPr>
+              <a:t>The way addresses look is a </a:t>
+            </a:r>
+            <a:r>
+              <a:rPr lang="en-GB" altLang="de-DE" sz="3200" dirty="0" smtClean="0">
+                <a:latin typeface="Lucida Sans" pitchFamily="34" charset="0"/>
+              </a:rPr>
+              <a:t>disadvantage </a:t>
+            </a:r>
+            <a:r>
+              <a:rPr lang="en-GB" altLang="de-DE" sz="3200" dirty="0" smtClean="0">
+                <a:latin typeface="Lucida Sans" pitchFamily="34" charset="0"/>
+              </a:rPr>
+              <a:t>that ensues:</a:t>
+            </a:r>
+            <a:endParaRPr lang="en-GB" altLang="de-DE" sz="3200" dirty="0">
+              <a:latin typeface="Lucida Sans" pitchFamily="34" charset="0"/>
+            </a:endParaRPr>
+          </a:p>
+          <a:p>
+            <a:pPr algn="just">
+              <a:buClr>
+                <a:srgbClr val="FAA500"/>
+              </a:buClr>
+              <a:buSzPct val="80000"/>
+              <a:defRPr/>
+            </a:pPr>
+            <a:endParaRPr lang="en-GB" altLang="de-DE" sz="2800" i="1" dirty="0" smtClean="0">
+              <a:latin typeface="Lucida Sans" pitchFamily="34" charset="0"/>
+            </a:endParaRPr>
+          </a:p>
+          <a:p>
+            <a:pPr algn="just">
+              <a:buClr>
+                <a:srgbClr val="FAA500"/>
+              </a:buClr>
+              <a:buSzPct val="80000"/>
+              <a:defRPr/>
+            </a:pPr>
+            <a:r>
+              <a:rPr lang="en-GB" altLang="de-DE" sz="3060" dirty="0" smtClean="0">
+                <a:latin typeface="Lucida Console"/>
+                <a:cs typeface="Lucida Console"/>
+              </a:rPr>
+              <a:t>BM-2cWs84ik1Fj7jdJKrn3vDecxQbH9R4VS9r</a:t>
+            </a:r>
+          </a:p>
+          <a:p>
+            <a:pPr algn="just">
+              <a:buClr>
+                <a:srgbClr val="FAA500"/>
+              </a:buClr>
+              <a:buSzPct val="80000"/>
+              <a:defRPr/>
+            </a:pPr>
+            <a:r>
+              <a:rPr lang="en-GB" altLang="de-DE" sz="3060" dirty="0">
+                <a:latin typeface="Lucida Console"/>
+                <a:cs typeface="Lucida Console"/>
+              </a:rPr>
+              <a:t>BM-2cUau5uxBYCK2Z2TVwUZnnNfYW5yyutekC</a:t>
+            </a:r>
+            <a:endParaRPr lang="en-GB" altLang="de-DE" sz="3060" dirty="0" smtClean="0">
+              <a:latin typeface="Lucida Console"/>
+              <a:cs typeface="Lucida Console"/>
             </a:endParaRPr>
           </a:p>
           <a:p>
@@ -2242,6 +2095,71 @@
           </a:p>
         </p:txBody>
       </p:sp>
+      <p:sp>
+        <p:nvSpPr>
+          <p:cNvPr id="10" name="Textfeld 9"/>
+          <p:cNvSpPr txBox="1"/>
+          <p:nvPr/>
+        </p:nvSpPr>
+        <p:spPr>
+          <a:xfrm>
+            <a:off x="10822475" y="13948300"/>
+            <a:ext cx="8845847" cy="3539430"/>
+          </a:xfrm>
+          <a:prstGeom prst="rect">
+            <a:avLst/>
+          </a:prstGeom>
+          <a:noFill/>
+        </p:spPr>
+        <p:txBody>
+          <a:bodyPr wrap="square" rtlCol="0">
+            <a:spAutoFit/>
+          </a:bodyPr>
+          <a:lstStyle/>
+          <a:p>
+            <a:pPr algn="just">
+              <a:buClr>
+                <a:srgbClr val="FAA500"/>
+              </a:buClr>
+              <a:buSzPct val="80000"/>
+              <a:defRPr/>
+            </a:pPr>
+            <a:r>
+              <a:rPr lang="en-GB" altLang="de-DE" sz="3200" dirty="0" smtClean="0">
+                <a:latin typeface="Lucida Sans" pitchFamily="34" charset="0"/>
+              </a:rPr>
+              <a:t>The </a:t>
+            </a:r>
+            <a:r>
+              <a:rPr lang="en-GB" altLang="de-DE" sz="3200" dirty="0">
+                <a:latin typeface="Lucida Sans" pitchFamily="34" charset="0"/>
+              </a:rPr>
+              <a:t>app looks just like any e-mail app, apart from two specialities: the identity in the orange part on top, and the switch called ‘full node’ at the bottom. The first is how </a:t>
+            </a:r>
+            <a:r>
+              <a:rPr lang="en-GB" altLang="de-DE" sz="3200" dirty="0" smtClean="0">
+                <a:latin typeface="Lucida Sans" pitchFamily="34" charset="0"/>
+              </a:rPr>
+              <a:t>addresses </a:t>
+            </a:r>
+            <a:r>
+              <a:rPr lang="en-GB" altLang="de-DE" sz="3200" dirty="0">
+                <a:latin typeface="Lucida Sans" pitchFamily="34" charset="0"/>
+              </a:rPr>
+              <a:t>look like in Bitmessage, and the latter starts the resource hungry connection to the Bitmessage network</a:t>
+            </a:r>
+            <a:r>
+              <a:rPr lang="en-GB" altLang="de-DE" sz="3200" dirty="0" smtClean="0">
+                <a:latin typeface="Lucida Sans" pitchFamily="34" charset="0"/>
+              </a:rPr>
+              <a:t>.</a:t>
+            </a:r>
+            <a:endParaRPr lang="en-GB" altLang="de-DE" sz="3200" dirty="0">
+              <a:latin typeface="Lucida Sans" pitchFamily="34" charset="0"/>
+            </a:endParaRPr>
+          </a:p>
+        </p:txBody>
+      </p:sp>
     </p:spTree>
     <p:extLst>
       <p:ext uri="{BB962C8B-B14F-4D97-AF65-F5344CB8AC3E}">
@@ -2255,7 +2173,7 @@
   <p:timing>
     <p:tnLst>
       <p:par>
-        <p:cTn id="1" dur="indefinite" restart="never" nodeType="tmRoot"/>
+        <p:cTn xmlns:p14="http://schemas.microsoft.com/office/powerpoint/2010/main" id="1" dur="indefinite" restart="never" nodeType="tmRoot"/>
       </p:par>
     </p:tnLst>
   </p:timing>
@@ -2523,6 +2441,28 @@
 </file>
 
 <file path=customXml/item1.xml><?xml version="1.0" encoding="utf-8"?>
+<LongProperties xmlns="http://schemas.microsoft.com/office/2006/metadata/longProperties"/>
+</file>
+
+<file path=customXml/item2.xml><?xml version="1.0" encoding="utf-8"?>
+<p:properties xmlns:p="http://schemas.microsoft.com/office/2006/metadata/properties" xmlns:xsi="http://www.w3.org/2001/XMLSchema-instance" xmlns:pc="http://schemas.microsoft.com/office/infopath/2007/PartnerControls">
+  <documentManagement>
+    <BfhIntranetDepartmentText xmlns="63c724b1-652e-424f-8d99-4ee509067280">
+      <Terms xmlns="http://schemas.microsoft.com/office/infopath/2007/PartnerControls">
+        <TermInfo xmlns="http://schemas.microsoft.com/office/infopath/2007/PartnerControls">
+          <TermName xmlns="http://schemas.microsoft.com/office/infopath/2007/PartnerControls">Vorlage</TermName>
+          <TermId xmlns="http://schemas.microsoft.com/office/infopath/2007/PartnerControls">de1a6d3c-ac6a-4b34-8edd-308eb81066db</TermId>
+        </TermInfo>
+      </Terms>
+    </BfhIntranetDepartmentText>
+    <TaxCatchAll xmlns="2551ef7e-3b29-44d1-a8ad-ef34c26bfc60">
+      <Value>241</Value>
+    </TaxCatchAll>
+  </documentManagement>
+</p:properties>
+</file>
+
+<file path=customXml/item3.xml><?xml version="1.0" encoding="utf-8"?>
 <?mso-contentType ?>
 <FormTemplates xmlns="http://schemas.microsoft.com/sharepoint/v3/contenttype/forms">
   <Display>DocumentLibraryForm</Display>
@@ -2531,7 +2471,7 @@
 </FormTemplates>
 </file>
 
-<file path=customXml/item2.xml><?xml version="1.0" encoding="utf-8"?>
+<file path=customXml/item4.xml><?xml version="1.0" encoding="utf-8"?>
 <ct:contentTypeSchema xmlns:ct="http://schemas.microsoft.com/office/2006/metadata/contentType" xmlns:ma="http://schemas.microsoft.com/office/2006/metadata/properties/metaAttributes" ct:_="" ma:_="" ma:contentTypeName="BFH Document" ma:contentTypeID="0x0101009127C3B567804923A8661E062BBD8EF500562C9D82744B284A86093F1D9B579BDC" ma:contentTypeVersion="2" ma:contentTypeDescription="Ein neues Dokument erstellen." ma:contentTypeScope="" ma:versionID="9c45b5bf27c78835ceac1d8ed0ad849b">
   <xsd:schema xmlns:xsd="http://www.w3.org/2001/XMLSchema" xmlns:xs="http://www.w3.org/2001/XMLSchema" xmlns:p="http://schemas.microsoft.com/office/2006/metadata/properties" xmlns:ns2="63c724b1-652e-424f-8d99-4ee509067280" xmlns:ns3="2551ef7e-3b29-44d1-a8ad-ef34c26bfc60" targetNamespace="http://schemas.microsoft.com/office/2006/metadata/properties" ma:root="true" ma:fieldsID="77ddedd9f4909d73cfb737d3d691d0f9" ns2:_="" ns3:_="">
     <xsd:import namespace="63c724b1-652e-424f-8d99-4ee509067280"/>
@@ -2676,29 +2616,32 @@
 </ct:contentTypeSchema>
 </file>
 
-<file path=customXml/item3.xml><?xml version="1.0" encoding="utf-8"?>
-<LongProperties xmlns="http://schemas.microsoft.com/office/2006/metadata/longProperties"/>
+<file path=customXml/itemProps1.xml><?xml version="1.0" encoding="utf-8"?>
+<ds:datastoreItem xmlns:ds="http://schemas.openxmlformats.org/officeDocument/2006/customXml" ds:itemID="{34ACECAE-8DDC-4218-ADDE-80828E100BF5}">
+  <ds:schemaRefs>
+    <ds:schemaRef ds:uri="http://schemas.microsoft.com/office/2006/metadata/longProperties"/>
+  </ds:schemaRefs>
+</ds:datastoreItem>
 </file>
 
-<file path=customXml/item4.xml><?xml version="1.0" encoding="utf-8"?>
-<p:properties xmlns:p="http://schemas.microsoft.com/office/2006/metadata/properties" xmlns:xsi="http://www.w3.org/2001/XMLSchema-instance" xmlns:pc="http://schemas.microsoft.com/office/infopath/2007/PartnerControls">
-  <documentManagement>
-    <BfhIntranetDepartmentText xmlns="63c724b1-652e-424f-8d99-4ee509067280">
-      <Terms xmlns="http://schemas.microsoft.com/office/infopath/2007/PartnerControls">
-        <TermInfo xmlns="http://schemas.microsoft.com/office/infopath/2007/PartnerControls">
-          <TermName xmlns="http://schemas.microsoft.com/office/infopath/2007/PartnerControls">Vorlage</TermName>
-          <TermId xmlns="http://schemas.microsoft.com/office/infopath/2007/PartnerControls">de1a6d3c-ac6a-4b34-8edd-308eb81066db</TermId>
-        </TermInfo>
-      </Terms>
-    </BfhIntranetDepartmentText>
-    <TaxCatchAll xmlns="2551ef7e-3b29-44d1-a8ad-ef34c26bfc60">
-      <Value>241</Value>
-    </TaxCatchAll>
-  </documentManagement>
-</p:properties>
+<file path=customXml/itemProps2.xml><?xml version="1.0" encoding="utf-8"?>
+<ds:datastoreItem xmlns:ds="http://schemas.openxmlformats.org/officeDocument/2006/customXml" ds:itemID="{12310AE4-98C2-4A3E-BE75-5A8AB8823A32}">
+  <ds:schemaRefs>
+    <ds:schemaRef ds:uri="http://schemas.microsoft.com/office/2006/metadata/properties"/>
+    <ds:schemaRef ds:uri="http://schemas.microsoft.com/office/infopath/2007/PartnerControls"/>
+    <ds:schemaRef ds:uri="http://schemas.microsoft.com/office/2006/documentManagement/types"/>
+    <ds:schemaRef ds:uri="http://purl.org/dc/elements/1.1/"/>
+    <ds:schemaRef ds:uri="63c724b1-652e-424f-8d99-4ee509067280"/>
+    <ds:schemaRef ds:uri="http://purl.org/dc/terms/"/>
+    <ds:schemaRef ds:uri="http://www.w3.org/XML/1998/namespace"/>
+    <ds:schemaRef ds:uri="2551ef7e-3b29-44d1-a8ad-ef34c26bfc60"/>
+    <ds:schemaRef ds:uri="http://schemas.openxmlformats.org/package/2006/metadata/core-properties"/>
+    <ds:schemaRef ds:uri="http://purl.org/dc/dcmitype/"/>
+  </ds:schemaRefs>
+</ds:datastoreItem>
 </file>
 
-<file path=customXml/itemProps1.xml><?xml version="1.0" encoding="utf-8"?>
+<file path=customXml/itemProps3.xml><?xml version="1.0" encoding="utf-8"?>
 <ds:datastoreItem xmlns:ds="http://schemas.openxmlformats.org/officeDocument/2006/customXml" ds:itemID="{47870AFC-B140-4E73-B0E2-054A74E7EB25}">
   <ds:schemaRefs>
     <ds:schemaRef ds:uri="http://schemas.microsoft.com/sharepoint/v3/contenttype/forms"/>
@@ -2706,7 +2649,7 @@
 </ds:datastoreItem>
 </file>
 
-<file path=customXml/itemProps2.xml><?xml version="1.0" encoding="utf-8"?>
+<file path=customXml/itemProps4.xml><?xml version="1.0" encoding="utf-8"?>
 <ds:datastoreItem xmlns:ds="http://schemas.openxmlformats.org/officeDocument/2006/customXml" ds:itemID="{064F56C1-3E03-4158-81FF-45AFD11405FB}">
   <ds:schemaRefs>
     <ds:schemaRef ds:uri="http://schemas.microsoft.com/office/2006/metadata/contentType"/>
@@ -2723,29 +2666,4 @@
     <ds:schemaRef ds:uri="http://schemas.microsoft.com/internal/obd"/>
   </ds:schemaRefs>
 </ds:datastoreItem>
-</file>
-
-<file path=customXml/itemProps3.xml><?xml version="1.0" encoding="utf-8"?>
-<ds:datastoreItem xmlns:ds="http://schemas.openxmlformats.org/officeDocument/2006/customXml" ds:itemID="{34ACECAE-8DDC-4218-ADDE-80828E100BF5}">
-  <ds:schemaRefs>
-    <ds:schemaRef ds:uri="http://schemas.microsoft.com/office/2006/metadata/longProperties"/>
-  </ds:schemaRefs>
-</ds:datastoreItem>
-</file>
-
-<file path=customXml/itemProps4.xml><?xml version="1.0" encoding="utf-8"?>
-<ds:datastoreItem xmlns:ds="http://schemas.openxmlformats.org/officeDocument/2006/customXml" ds:itemID="{12310AE4-98C2-4A3E-BE75-5A8AB8823A32}">
-  <ds:schemaRefs>
-    <ds:schemaRef ds:uri="http://schemas.microsoft.com/office/2006/metadata/properties"/>
-    <ds:schemaRef ds:uri="http://schemas.microsoft.com/office/infopath/2007/PartnerControls"/>
-    <ds:schemaRef ds:uri="http://schemas.microsoft.com/office/2006/documentManagement/types"/>
-    <ds:schemaRef ds:uri="http://purl.org/dc/elements/1.1/"/>
-    <ds:schemaRef ds:uri="63c724b1-652e-424f-8d99-4ee509067280"/>
-    <ds:schemaRef ds:uri="http://purl.org/dc/terms/"/>
-    <ds:schemaRef ds:uri="http://www.w3.org/XML/1998/namespace"/>
-    <ds:schemaRef ds:uri="2551ef7e-3b29-44d1-a8ad-ef34c26bfc60"/>
-    <ds:schemaRef ds:uri="http://schemas.openxmlformats.org/package/2006/metadata/core-properties"/>
-    <ds:schemaRef ds:uri="http://purl.org/dc/dcmitype/"/>
-  </ds:schemaRefs>
-</ds:datastoreItem>
 </file>
--- a/poster/Poster A1, Bitmessage for Android, Christian Basler.pptx
+++ b/poster/Poster A1, Bitmessage for Android, Christian Basler.pptx
@@ -188,14 +188,14 @@
             <a:noFill/>
           </a:ln>
           <a:extLst>
-            <a:ext uri="{909E8E84-426E-40dd-AFC4-6F175D3DCCD1}">
+            <a:ext uri="{909E8E84-426E-40DD-AFC4-6F175D3DCCD1}">
               <a14:hiddenFill xmlns:a14="http://schemas.microsoft.com/office/drawing/2010/main">
                 <a:solidFill>
                   <a:srgbClr val="FFFFFF"/>
                 </a:solidFill>
               </a14:hiddenFill>
             </a:ext>
-            <a:ext uri="{91240B29-F687-4f45-9708-019B960494DF}">
+            <a:ext uri="{91240B29-F687-4F45-9708-019B960494DF}">
               <a14:hiddenLine xmlns:a14="http://schemas.microsoft.com/office/drawing/2010/main" w="9525">
                 <a:solidFill>
                   <a:srgbClr val="000000"/>
@@ -273,14 +273,14 @@
             <a:noFill/>
           </a:ln>
           <a:extLst>
-            <a:ext uri="{909E8E84-426E-40dd-AFC4-6F175D3DCCD1}">
+            <a:ext uri="{909E8E84-426E-40DD-AFC4-6F175D3DCCD1}">
               <a14:hiddenFill xmlns:a14="http://schemas.microsoft.com/office/drawing/2010/main">
                 <a:solidFill>
                   <a:srgbClr val="FFFFFF"/>
                 </a:solidFill>
               </a14:hiddenFill>
             </a:ext>
-            <a:ext uri="{91240B29-F687-4f45-9708-019B960494DF}">
+            <a:ext uri="{91240B29-F687-4F45-9708-019B960494DF}">
               <a14:hiddenLine xmlns:a14="http://schemas.microsoft.com/office/drawing/2010/main" w="9525">
                 <a:solidFill>
                   <a:srgbClr val="000000"/>
@@ -501,7 +501,7 @@
   <p:timing>
     <p:tnLst>
       <p:par>
-        <p:cTn xmlns:p14="http://schemas.microsoft.com/office/powerpoint/2010/main" id="1" dur="indefinite" restart="never" nodeType="tmRoot"/>
+        <p:cTn id="1" dur="indefinite" restart="never" nodeType="tmRoot"/>
       </p:par>
     </p:tnLst>
   </p:timing>
@@ -952,7 +952,7 @@
           </a:prstGeom>
           <a:noFill/>
           <a:extLst>
-            <a:ext uri="{909E8E84-426E-40dd-AFC4-6F175D3DCCD1}">
+            <a:ext uri="{909E8E84-426E-40DD-AFC4-6F175D3DCCD1}">
               <a14:hiddenFill xmlns:a14="http://schemas.microsoft.com/office/drawing/2010/main">
                 <a:solidFill>
                   <a:srgbClr val="FFFFFF"/>
@@ -1568,7 +1568,7 @@
         <p:spPr>
           <a:xfrm>
             <a:off x="898776" y="896767"/>
-            <a:ext cx="8845847" cy="16527607"/>
+            <a:ext cx="8845847" cy="13572946"/>
           </a:xfrm>
           <a:prstGeom prst="rect">
             <a:avLst/>
@@ -1729,60 +1729,9 @@
               </a:rPr>
               <a:t>.</a:t>
             </a:r>
-          </a:p>
-          <a:p>
-            <a:pPr algn="just">
-              <a:buClr>
-                <a:srgbClr val="FAA500"/>
-              </a:buClr>
-              <a:buSzPct val="80000"/>
-              <a:defRPr/>
-            </a:pPr>
             <a:endParaRPr lang="en-US" altLang="de-DE" sz="3200" dirty="0" smtClean="0">
               <a:latin typeface="Lucida Sans" pitchFamily="34" charset="0"/>
             </a:endParaRPr>
-          </a:p>
-          <a:p>
-            <a:pPr algn="just">
-              <a:buClr>
-                <a:srgbClr val="FAA500"/>
-              </a:buClr>
-              <a:buSzPct val="80000"/>
-              <a:defRPr/>
-            </a:pPr>
-            <a:endParaRPr lang="en-US" altLang="de-DE" sz="3200" i="1" dirty="0">
-              <a:latin typeface="Lucida Sans" pitchFamily="34" charset="0"/>
-            </a:endParaRPr>
-          </a:p>
-          <a:p>
-            <a:pPr algn="r">
-              <a:buClr>
-                <a:srgbClr val="FAA500"/>
-              </a:buClr>
-              <a:buSzPct val="80000"/>
-              <a:defRPr/>
-            </a:pPr>
-            <a:r>
-              <a:rPr lang="en-US" altLang="de-DE" sz="3200" i="1" dirty="0" smtClean="0">
-                <a:latin typeface="Lucida Sans" pitchFamily="34" charset="0"/>
-              </a:rPr>
-              <a:t>Scan this QR code to get more               .</a:t>
-            </a:r>
-          </a:p>
-          <a:p>
-            <a:pPr algn="r">
-              <a:buClr>
-                <a:srgbClr val="FAA500"/>
-              </a:buClr>
-              <a:buSzPct val="80000"/>
-              <a:defRPr/>
-            </a:pPr>
-            <a:r>
-              <a:rPr lang="en-US" altLang="de-DE" sz="3200" i="1" dirty="0" smtClean="0">
-                <a:latin typeface="Lucida Sans" pitchFamily="34" charset="0"/>
-              </a:rPr>
-              <a:t>information about the app               .</a:t>
-            </a:r>
           </a:p>
         </p:txBody>
       </p:sp>
@@ -1864,7 +1813,7 @@
           </a:prstGeom>
           <a:noFill/>
           <a:extLst>
-            <a:ext uri="{909E8E84-426E-40dd-AFC4-6F175D3DCCD1}">
+            <a:ext uri="{909E8E84-426E-40DD-AFC4-6F175D3DCCD1}">
               <a14:hiddenFill xmlns:a14="http://schemas.microsoft.com/office/drawing/2010/main">
                 <a:solidFill>
                   <a:srgbClr val="FFFFFF"/>
@@ -1883,7 +1832,7 @@
         <p:spPr>
           <a:xfrm>
             <a:off x="20508884" y="896767"/>
-            <a:ext cx="8845847" cy="11480068"/>
+            <a:ext cx="8845847" cy="10926068"/>
           </a:xfrm>
           <a:prstGeom prst="rect">
             <a:avLst/>
@@ -2003,19 +1952,7 @@
               <a:rPr lang="en-GB" altLang="de-DE" sz="3200" dirty="0" smtClean="0">
                 <a:latin typeface="Lucida Sans" pitchFamily="34" charset="0"/>
               </a:rPr>
-              <a:t>The way addresses look is a </a:t>
-            </a:r>
-            <a:r>
-              <a:rPr lang="en-GB" altLang="de-DE" sz="3200" dirty="0" smtClean="0">
-                <a:latin typeface="Lucida Sans" pitchFamily="34" charset="0"/>
-              </a:rPr>
-              <a:t>disadvantage </a:t>
-            </a:r>
-            <a:r>
-              <a:rPr lang="en-GB" altLang="de-DE" sz="3200" dirty="0" smtClean="0">
-                <a:latin typeface="Lucida Sans" pitchFamily="34" charset="0"/>
-              </a:rPr>
-              <a:t>that ensues:</a:t>
+              <a:t>The way addresses look is a disadvantage that ensues:</a:t>
             </a:r>
             <a:endParaRPr lang="en-GB" altLang="de-DE" sz="3200" dirty="0">
               <a:latin typeface="Lucida Sans" pitchFamily="34" charset="0"/>
@@ -2042,7 +1979,7 @@
               <a:defRPr/>
             </a:pPr>
             <a:r>
-              <a:rPr lang="en-GB" altLang="de-DE" sz="3060" dirty="0" smtClean="0">
+              <a:rPr lang="en-GB" altLang="de-DE" sz="2800" dirty="0" smtClean="0">
                 <a:latin typeface="Lucida Console"/>
                 <a:cs typeface="Lucida Console"/>
               </a:rPr>
@@ -2058,13 +1995,13 @@
               <a:defRPr/>
             </a:pPr>
             <a:r>
-              <a:rPr lang="en-GB" altLang="de-DE" sz="3060" dirty="0">
+              <a:rPr lang="en-GB" altLang="de-DE" sz="2800" dirty="0">
                 <a:latin typeface="Lucida Console"/>
                 <a:cs typeface="Lucida Console"/>
               </a:rPr>
               <a:t>BM-2cUau5uxBYCK2Z2TVwUZnnNfYW5yyutekC</a:t>
             </a:r>
-            <a:endParaRPr lang="en-GB" altLang="de-DE" sz="3060" dirty="0" smtClean="0">
+            <a:endParaRPr lang="en-GB" altLang="de-DE" sz="2800" dirty="0" smtClean="0">
               <a:latin typeface="Lucida Console"/>
               <a:cs typeface="Lucida Console"/>
             </a:endParaRPr>
@@ -2160,6 +2097,65 @@
           </a:p>
         </p:txBody>
       </p:sp>
+      <p:sp>
+        <p:nvSpPr>
+          <p:cNvPr id="4" name="Textfeld 3"/>
+          <p:cNvSpPr txBox="1"/>
+          <p:nvPr/>
+        </p:nvSpPr>
+        <p:spPr>
+          <a:xfrm>
+            <a:off x="898777" y="15406597"/>
+            <a:ext cx="6416424" cy="1077218"/>
+          </a:xfrm>
+          <a:prstGeom prst="rect">
+            <a:avLst/>
+          </a:prstGeom>
+          <a:noFill/>
+        </p:spPr>
+        <p:txBody>
+          <a:bodyPr wrap="square" rtlCol="0">
+            <a:spAutoFit/>
+          </a:bodyPr>
+          <a:lstStyle/>
+          <a:p>
+            <a:pPr algn="r">
+              <a:buClr>
+                <a:srgbClr val="FAA500"/>
+              </a:buClr>
+              <a:buSzPct val="80000"/>
+              <a:defRPr/>
+            </a:pPr>
+            <a:r>
+              <a:rPr lang="en-US" altLang="de-DE" sz="3200" i="1" dirty="0">
+                <a:latin typeface="Lucida Sans" pitchFamily="34" charset="0"/>
+              </a:rPr>
+              <a:t>Scan this QR code to get </a:t>
+            </a:r>
+            <a:r>
+              <a:rPr lang="en-US" altLang="de-DE" sz="3200" i="1" dirty="0" smtClean="0">
+                <a:latin typeface="Lucida Sans" pitchFamily="34" charset="0"/>
+              </a:rPr>
+              <a:t>more information </a:t>
+            </a:r>
+            <a:r>
+              <a:rPr lang="en-US" altLang="de-DE" sz="3200" i="1" dirty="0">
+                <a:latin typeface="Lucida Sans" pitchFamily="34" charset="0"/>
+              </a:rPr>
+              <a:t>about the </a:t>
+            </a:r>
+            <a:r>
+              <a:rPr lang="en-US" altLang="de-DE" sz="3200" i="1" dirty="0" smtClean="0">
+                <a:latin typeface="Lucida Sans" pitchFamily="34" charset="0"/>
+              </a:rPr>
+              <a:t>app</a:t>
+            </a:r>
+            <a:endParaRPr lang="en-US" altLang="de-DE" sz="3200" i="1" dirty="0">
+              <a:latin typeface="Lucida Sans" pitchFamily="34" charset="0"/>
+            </a:endParaRPr>
+          </a:p>
+        </p:txBody>
+      </p:sp>
     </p:spTree>
     <p:extLst>
       <p:ext uri="{BB962C8B-B14F-4D97-AF65-F5344CB8AC3E}">
@@ -2173,7 +2169,7 @@
   <p:timing>
     <p:tnLst>
       <p:par>
-        <p:cTn xmlns:p14="http://schemas.microsoft.com/office/powerpoint/2010/main" id="1" dur="indefinite" restart="never" nodeType="tmRoot"/>
+        <p:cTn id="1" dur="indefinite" restart="never" nodeType="tmRoot"/>
       </p:par>
     </p:tnLst>
   </p:timing>
@@ -2441,7 +2437,12 @@
 </file>
 
 <file path=customXml/item1.xml><?xml version="1.0" encoding="utf-8"?>
-<LongProperties xmlns="http://schemas.microsoft.com/office/2006/metadata/longProperties"/>
+<?mso-contentType ?>
+<FormTemplates xmlns="http://schemas.microsoft.com/sharepoint/v3/contenttype/forms">
+  <Display>DocumentLibraryForm</Display>
+  <Edit>DocumentLibraryForm</Edit>
+  <New>DocumentLibraryForm</New>
+</FormTemplates>
 </file>
 
 <file path=customXml/item2.xml><?xml version="1.0" encoding="utf-8"?>
@@ -2463,12 +2464,7 @@
 </file>
 
 <file path=customXml/item3.xml><?xml version="1.0" encoding="utf-8"?>
-<?mso-contentType ?>
-<FormTemplates xmlns="http://schemas.microsoft.com/sharepoint/v3/contenttype/forms">
-  <Display>DocumentLibraryForm</Display>
-  <Edit>DocumentLibraryForm</Edit>
-  <New>DocumentLibraryForm</New>
-</FormTemplates>
+<LongProperties xmlns="http://schemas.microsoft.com/office/2006/metadata/longProperties"/>
 </file>
 
 <file path=customXml/item4.xml><?xml version="1.0" encoding="utf-8"?>
@@ -2617,9 +2613,9 @@
 </file>
 
 <file path=customXml/itemProps1.xml><?xml version="1.0" encoding="utf-8"?>
-<ds:datastoreItem xmlns:ds="http://schemas.openxmlformats.org/officeDocument/2006/customXml" ds:itemID="{34ACECAE-8DDC-4218-ADDE-80828E100BF5}">
+<ds:datastoreItem xmlns:ds="http://schemas.openxmlformats.org/officeDocument/2006/customXml" ds:itemID="{47870AFC-B140-4E73-B0E2-054A74E7EB25}">
   <ds:schemaRefs>
-    <ds:schemaRef ds:uri="http://schemas.microsoft.com/office/2006/metadata/longProperties"/>
+    <ds:schemaRef ds:uri="http://schemas.microsoft.com/sharepoint/v3/contenttype/forms"/>
   </ds:schemaRefs>
 </ds:datastoreItem>
 </file>
@@ -2642,9 +2638,9 @@
 </file>
 
 <file path=customXml/itemProps3.xml><?xml version="1.0" encoding="utf-8"?>
-<ds:datastoreItem xmlns:ds="http://schemas.openxmlformats.org/officeDocument/2006/customXml" ds:itemID="{47870AFC-B140-4E73-B0E2-054A74E7EB25}">
+<ds:datastoreItem xmlns:ds="http://schemas.openxmlformats.org/officeDocument/2006/customXml" ds:itemID="{34ACECAE-8DDC-4218-ADDE-80828E100BF5}">
   <ds:schemaRefs>
-    <ds:schemaRef ds:uri="http://schemas.microsoft.com/sharepoint/v3/contenttype/forms"/>
+    <ds:schemaRef ds:uri="http://schemas.microsoft.com/office/2006/metadata/longProperties"/>
   </ds:schemaRefs>
 </ds:datastoreItem>
 </file>

--- a/poster/Poster A1, Bitmessage for Android, Christian Basler.pptx
+++ b/poster/Poster A1, Bitmessage for Android, Christian Basler.pptx
@@ -921,47 +921,6 @@
           <a:chExt cx="0" cy="0"/>
         </a:xfrm>
       </p:grpSpPr>
-      <p:pic>
-        <p:nvPicPr>
-          <p:cNvPr id="15" name="Picture 5" descr="C:\Users\chrig\Downloads\Screenshot (31 Dec 2015 09-51-59)_framed.png"/>
-          <p:cNvPicPr>
-            <a:picLocks noChangeAspect="1" noChangeArrowheads="1"/>
-          </p:cNvPicPr>
-          <p:nvPr/>
-        </p:nvPicPr>
-        <p:blipFill>
-          <a:blip r:embed="rId2">
-            <a:extLst>
-              <a:ext uri="{28A0092B-C50C-407E-A947-70E740481C1C}">
-                <a14:useLocalDpi xmlns:a14="http://schemas.microsoft.com/office/drawing/2010/main" val="0"/>
-              </a:ext>
-            </a:extLst>
-          </a:blip>
-          <a:srcRect/>
-          <a:stretch>
-            <a:fillRect/>
-          </a:stretch>
-        </p:blipFill>
-        <p:spPr bwMode="auto">
-          <a:xfrm>
-            <a:off x="11240975" y="1058692"/>
-            <a:ext cx="8008846" cy="13730126"/>
-          </a:xfrm>
-          <a:prstGeom prst="rect">
-            <a:avLst/>
-          </a:prstGeom>
-          <a:noFill/>
-          <a:extLst>
-            <a:ext uri="{909E8E84-426E-40DD-AFC4-6F175D3DCCD1}">
-              <a14:hiddenFill xmlns:a14="http://schemas.microsoft.com/office/drawing/2010/main">
-                <a:solidFill>
-                  <a:srgbClr val="FFFFFF"/>
-                </a:solidFill>
-              </a14:hiddenFill>
-            </a:ext>
-          </a:extLst>
-        </p:spPr>
-      </p:pic>
       <p:sp>
         <p:nvSpPr>
           <p:cNvPr id="2" name="Textfeld 1" descr="Bitte möglichst die vorgegebene Breite einhalten! Sollte dieser Platz nicht reichen, kann im oberen Teil ein zusätzlicher längerer Titel verwendet werden." title="Titelfeld"/>
@@ -1568,7 +1527,7 @@
         <p:spPr>
           <a:xfrm>
             <a:off x="898776" y="896767"/>
-            <a:ext cx="8845847" cy="13572946"/>
+            <a:ext cx="8845847" cy="10002738"/>
           </a:xfrm>
           <a:prstGeom prst="rect">
             <a:avLst/>
@@ -1628,25 +1587,25 @@
               <a:rPr lang="en-US" altLang="de-DE" sz="3200" dirty="0">
                 <a:latin typeface="Lucida Sans" pitchFamily="34" charset="0"/>
               </a:rPr>
-              <a:t>If you don't want anyone snooping in your e-mails you might already encrypt your correspondence. But you still can't hide who you're writing to, and your e-mail client might even reveal much more about you, your computer, and the software you use. </a:t>
-            </a:r>
-            <a:r>
-              <a:rPr lang="en-US" altLang="de-DE" sz="3200" dirty="0" err="1">
-                <a:latin typeface="Lucida Sans" pitchFamily="34" charset="0"/>
-              </a:rPr>
-              <a:t>Bitmessage</a:t>
+              <a:t>If you don't want anyone snooping </a:t>
+            </a:r>
+            <a:r>
+              <a:rPr lang="en-US" altLang="de-DE" sz="3200" dirty="0" smtClean="0">
+                <a:latin typeface="Lucida Sans" pitchFamily="34" charset="0"/>
+              </a:rPr>
+              <a:t>around </a:t>
             </a:r>
             <a:r>
               <a:rPr lang="en-US" altLang="de-DE" sz="3200" dirty="0">
                 <a:latin typeface="Lucida Sans" pitchFamily="34" charset="0"/>
               </a:rPr>
-              <a:t> attempts to solve all this, but up until now there was no practical way to use it on mobile phones, which might be a downside when you're on the run</a:t>
+              <a:t>your e-mails you might already encrypt your correspondence. But you still can't hide who you're writing </a:t>
             </a:r>
             <a:r>
               <a:rPr lang="en-US" altLang="de-DE" sz="3200" dirty="0" smtClean="0">
                 <a:latin typeface="Lucida Sans" pitchFamily="34" charset="0"/>
               </a:rPr>
-              <a:t>.</a:t>
+              <a:t>to. Your e-mail client might even reveal much more about you, your computer, and the software you use.</a:t>
             </a:r>
           </a:p>
           <a:p>
@@ -1657,80 +1616,106 @@
               <a:buSzPct val="80000"/>
               <a:defRPr/>
             </a:pPr>
-            <a:r>
-              <a:rPr lang="en-US" altLang="de-DE" sz="3200" dirty="0" err="1">
-                <a:latin typeface="Lucida Sans" pitchFamily="34" charset="0"/>
-              </a:rPr>
-              <a:t>Bitmessage</a:t>
+            <a:endParaRPr lang="en-US" altLang="de-DE" sz="3200" dirty="0">
+              <a:latin typeface="Lucida Sans" pitchFamily="34" charset="0"/>
+            </a:endParaRPr>
+          </a:p>
+          <a:p>
+            <a:pPr algn="just">
+              <a:buClr>
+                <a:srgbClr val="FAA500"/>
+              </a:buClr>
+              <a:buSzPct val="80000"/>
+              <a:defRPr/>
+            </a:pPr>
+            <a:r>
+              <a:rPr lang="en-US" altLang="de-DE" sz="3200" dirty="0" smtClean="0">
+                <a:latin typeface="Lucida Sans" pitchFamily="34" charset="0"/>
+              </a:rPr>
+              <a:t>Bitmessage </a:t>
             </a:r>
             <a:r>
               <a:rPr lang="en-US" altLang="de-DE" sz="3200" dirty="0">
                 <a:latin typeface="Lucida Sans" pitchFamily="34" charset="0"/>
               </a:rPr>
-              <a:t> provides some unique challenges for mobile clients. Its users tend to be bordering on paranoia, or as often might really be tracked. The protocol is as wasteful as a hen, it needs both immense amounts of traffic and a lot of </a:t>
+              <a:t>attempts to solve </a:t>
             </a:r>
             <a:r>
               <a:rPr lang="en-US" altLang="de-DE" sz="3200" dirty="0" smtClean="0">
                 <a:latin typeface="Lucida Sans" pitchFamily="34" charset="0"/>
               </a:rPr>
-              <a:t>CPU </a:t>
+              <a:t>all this</a:t>
             </a:r>
             <a:r>
               <a:rPr lang="en-US" altLang="de-DE" sz="3200" dirty="0">
                 <a:latin typeface="Lucida Sans" pitchFamily="34" charset="0"/>
               </a:rPr>
-              <a:t>time. It works by distributing every message to every client, so they can pick up the ones they can decrypt with the available private keys. To protect the network from malicious flooding, a </a:t>
+              <a:t>, but up until now there was no practical way to use it on mobile </a:t>
             </a:r>
             <a:r>
               <a:rPr lang="en-US" altLang="de-DE" sz="3200" dirty="0" smtClean="0">
                 <a:latin typeface="Lucida Sans" pitchFamily="34" charset="0"/>
               </a:rPr>
-              <a:t>proof of work </a:t>
-            </a:r>
-            <a:r>
-              <a:rPr lang="en-US" altLang="de-DE" sz="3200" dirty="0">
-                <a:latin typeface="Lucida Sans" pitchFamily="34" charset="0"/>
-              </a:rPr>
-              <a:t>is required, which is done by calculating a partial hash collision. So typically you'd want as many </a:t>
-            </a:r>
-            <a:r>
-              <a:rPr lang="en-US" altLang="de-DE" sz="3200" dirty="0" smtClean="0">
-                <a:latin typeface="Lucida Sans" pitchFamily="34" charset="0"/>
-              </a:rPr>
-              <a:t>CPU </a:t>
-            </a:r>
-            <a:r>
-              <a:rPr lang="en-US" altLang="de-DE" sz="3200" dirty="0">
-                <a:latin typeface="Lucida Sans" pitchFamily="34" charset="0"/>
-              </a:rPr>
-              <a:t>cores as possible, no shortage of electricity and a </a:t>
-            </a:r>
-            <a:r>
-              <a:rPr lang="en-US" altLang="de-DE" sz="3200" dirty="0" smtClean="0">
-                <a:latin typeface="Lucida Sans" pitchFamily="34" charset="0"/>
-              </a:rPr>
-              <a:t>flat rate </a:t>
-            </a:r>
-            <a:r>
-              <a:rPr lang="en-US" altLang="de-DE" sz="3200" dirty="0">
-                <a:latin typeface="Lucida Sans" pitchFamily="34" charset="0"/>
-              </a:rPr>
-              <a:t>on internet </a:t>
-            </a:r>
-            <a:r>
-              <a:rPr lang="en-US" altLang="de-DE" sz="3200" dirty="0" smtClean="0">
-                <a:latin typeface="Lucida Sans" pitchFamily="34" charset="0"/>
-              </a:rPr>
-              <a:t>access – not quite the prefect basis for a mobile app</a:t>
-            </a:r>
-            <a:r>
-              <a:rPr lang="en-US" altLang="de-DE" sz="3200" dirty="0" smtClean="0">
-                <a:latin typeface="Lucida Sans" pitchFamily="34" charset="0"/>
-              </a:rPr>
-              <a:t>.</a:t>
-            </a:r>
-            <a:endParaRPr lang="en-US" altLang="de-DE" sz="3200" dirty="0" smtClean="0">
+              <a:t>phones.</a:t>
+            </a:r>
+          </a:p>
+          <a:p>
+            <a:pPr algn="just">
+              <a:buClr>
+                <a:srgbClr val="FAA500"/>
+              </a:buClr>
+              <a:buSzPct val="80000"/>
+              <a:defRPr/>
+            </a:pPr>
+            <a:endParaRPr lang="en-US" altLang="de-DE" sz="3200" dirty="0">
               <a:latin typeface="Lucida Sans" pitchFamily="34" charset="0"/>
+            </a:endParaRPr>
+          </a:p>
+          <a:p>
+            <a:pPr algn="just">
+              <a:buClr>
+                <a:srgbClr val="FAA500"/>
+              </a:buClr>
+              <a:buSzPct val="80000"/>
+              <a:defRPr/>
+            </a:pPr>
+            <a:r>
+              <a:rPr lang="en-GB" altLang="de-DE" sz="3200" dirty="0">
+                <a:latin typeface="Lucida Sans" pitchFamily="34" charset="0"/>
+              </a:rPr>
+              <a:t>A big advantage of Bitmessage is its inherent key management. The address contains a hash of the public key, and retrieving said key is an integral part of the protocol. The way addresses look ensues:</a:t>
+            </a:r>
+          </a:p>
+          <a:p>
+            <a:pPr algn="just">
+              <a:buClr>
+                <a:srgbClr val="FAA500"/>
+              </a:buClr>
+              <a:buSzPct val="80000"/>
+              <a:defRPr/>
+            </a:pPr>
+            <a:endParaRPr lang="en-GB" altLang="de-DE" sz="2800" i="1" dirty="0">
+              <a:latin typeface="Lucida Sans" pitchFamily="34" charset="0"/>
+            </a:endParaRPr>
+          </a:p>
+          <a:p>
+            <a:pPr algn="just">
+              <a:buClr>
+                <a:srgbClr val="FAA500"/>
+              </a:buClr>
+              <a:buSzPct val="80000"/>
+              <a:defRPr/>
+            </a:pPr>
+            <a:r>
+              <a:rPr lang="en-GB" altLang="de-DE" sz="2800" dirty="0" smtClean="0">
+                <a:latin typeface="Lucida Console"/>
+                <a:cs typeface="Lucida Console"/>
+              </a:rPr>
+              <a:t>BM-2cWs84ik1Fj7jdJKrn3vDecxQbH9R4VS9r</a:t>
+            </a:r>
+            <a:endParaRPr lang="en-GB" altLang="de-DE" sz="2800" dirty="0">
+              <a:latin typeface="Lucida Console"/>
+              <a:cs typeface="Lucida Console"/>
             </a:endParaRPr>
           </a:p>
         </p:txBody>
@@ -1744,7 +1729,7 @@
         <p:spPr>
           <a:xfrm>
             <a:off x="10822475" y="896767"/>
-            <a:ext cx="8845847" cy="769441"/>
+            <a:ext cx="8845847" cy="15050274"/>
           </a:xfrm>
           <a:prstGeom prst="rect">
             <a:avLst/>
@@ -1757,6 +1742,249 @@
           </a:bodyPr>
           <a:lstStyle/>
           <a:p>
+            <a:pPr lvl="0" algn="just">
+              <a:buClr>
+                <a:srgbClr val="FAA500"/>
+              </a:buClr>
+              <a:buSzPct val="80000"/>
+              <a:defRPr/>
+            </a:pPr>
+            <a:r>
+              <a:rPr lang="en-GB" altLang="de-DE" sz="4400" dirty="0">
+                <a:solidFill>
+                  <a:srgbClr val="697D91"/>
+                </a:solidFill>
+                <a:latin typeface="Lucida Sans"/>
+              </a:rPr>
+              <a:t>Bitmessage</a:t>
+            </a:r>
+          </a:p>
+          <a:p>
+            <a:pPr lvl="0" algn="just">
+              <a:buClr>
+                <a:srgbClr val="FAA500"/>
+              </a:buClr>
+              <a:buSzPct val="80000"/>
+              <a:defRPr/>
+            </a:pPr>
+            <a:endParaRPr lang="en-GB" altLang="de-DE" sz="3200" dirty="0">
+              <a:solidFill>
+                <a:prstClr val="black"/>
+              </a:solidFill>
+              <a:latin typeface="Lucida Sans" pitchFamily="34" charset="0"/>
+            </a:endParaRPr>
+          </a:p>
+          <a:p>
+            <a:pPr lvl="0" algn="just">
+              <a:buClr>
+                <a:srgbClr val="FAA500"/>
+              </a:buClr>
+              <a:buSzPct val="80000"/>
+              <a:defRPr/>
+            </a:pPr>
+            <a:r>
+              <a:rPr lang="en-GB" altLang="de-DE" sz="3200" dirty="0">
+                <a:latin typeface="Lucida Sans" pitchFamily="34" charset="0"/>
+              </a:rPr>
+              <a:t>Bitmessage is a peer to peer messaging protocol that builds a mesh network among the participating clients. </a:t>
+            </a:r>
+            <a:r>
+              <a:rPr lang="en-GB" altLang="de-DE" sz="3200" dirty="0" smtClean="0">
+                <a:latin typeface="Lucida Sans" pitchFamily="34" charset="0"/>
+              </a:rPr>
+              <a:t>Each client </a:t>
+            </a:r>
+            <a:r>
+              <a:rPr lang="en-GB" altLang="de-DE" sz="3200" dirty="0">
+                <a:latin typeface="Lucida Sans" pitchFamily="34" charset="0"/>
+              </a:rPr>
+              <a:t>tries to maintain multiple connections to other network nodes and has </a:t>
+            </a:r>
+            <a:r>
+              <a:rPr lang="en-GB" altLang="de-DE" sz="3200" dirty="0" smtClean="0">
+                <a:latin typeface="Lucida Sans" pitchFamily="34" charset="0"/>
+              </a:rPr>
+              <a:t>an encrypted copy </a:t>
+            </a:r>
+            <a:r>
+              <a:rPr lang="en-GB" altLang="de-DE" sz="3200" dirty="0">
+                <a:latin typeface="Lucida Sans" pitchFamily="34" charset="0"/>
+              </a:rPr>
+              <a:t>of every current </a:t>
+            </a:r>
+            <a:r>
+              <a:rPr lang="en-GB" altLang="de-DE" sz="3200" dirty="0" smtClean="0">
+                <a:latin typeface="Lucida Sans" pitchFamily="34" charset="0"/>
+              </a:rPr>
+              <a:t>message.</a:t>
+            </a:r>
+          </a:p>
+          <a:p>
+            <a:pPr lvl="0" algn="just">
+              <a:buClr>
+                <a:srgbClr val="FAA500"/>
+              </a:buClr>
+              <a:buSzPct val="80000"/>
+              <a:defRPr/>
+            </a:pPr>
+            <a:endParaRPr lang="en-GB" altLang="de-DE" sz="3200" dirty="0" smtClean="0">
+              <a:latin typeface="Lucida Sans" pitchFamily="34" charset="0"/>
+            </a:endParaRPr>
+          </a:p>
+          <a:p>
+            <a:pPr lvl="0" algn="just">
+              <a:buClr>
+                <a:srgbClr val="FAA500"/>
+              </a:buClr>
+              <a:buSzPct val="80000"/>
+              <a:defRPr/>
+            </a:pPr>
+            <a:r>
+              <a:rPr lang="en-US" altLang="de-DE" sz="3200" dirty="0" smtClean="0">
+                <a:solidFill>
+                  <a:prstClr val="black"/>
+                </a:solidFill>
+                <a:latin typeface="Lucida Sans" pitchFamily="34" charset="0"/>
+              </a:rPr>
+              <a:t>There </a:t>
+            </a:r>
+            <a:r>
+              <a:rPr lang="en-US" altLang="de-DE" sz="3200" dirty="0">
+                <a:solidFill>
+                  <a:prstClr val="black"/>
+                </a:solidFill>
+                <a:latin typeface="Lucida Sans" pitchFamily="34" charset="0"/>
+              </a:rPr>
+              <a:t>are some unique challenges for mobile clients:</a:t>
+            </a:r>
+          </a:p>
+          <a:p>
+            <a:pPr marL="457200" lvl="0" indent="-457200" algn="just">
+              <a:buClr>
+                <a:srgbClr val="FAA500"/>
+              </a:buClr>
+              <a:buSzPct val="80000"/>
+              <a:buFont typeface="Arial" panose="020B0604020202020204" pitchFamily="34" charset="0"/>
+              <a:buChar char="•"/>
+              <a:defRPr/>
+            </a:pPr>
+            <a:r>
+              <a:rPr lang="en-US" altLang="de-DE" sz="3200" dirty="0">
+                <a:solidFill>
+                  <a:prstClr val="black"/>
+                </a:solidFill>
+                <a:latin typeface="Lucida Sans" pitchFamily="34" charset="0"/>
+              </a:rPr>
+              <a:t>its users are very privacy conscious</a:t>
+            </a:r>
+          </a:p>
+          <a:p>
+            <a:pPr marL="457200" lvl="0" indent="-457200" algn="just">
+              <a:buClr>
+                <a:srgbClr val="FAA500"/>
+              </a:buClr>
+              <a:buSzPct val="80000"/>
+              <a:buFont typeface="Arial" panose="020B0604020202020204" pitchFamily="34" charset="0"/>
+              <a:buChar char="•"/>
+              <a:defRPr/>
+            </a:pPr>
+            <a:r>
+              <a:rPr lang="en-US" altLang="de-DE" sz="3200" dirty="0">
+                <a:solidFill>
+                  <a:prstClr val="black"/>
+                </a:solidFill>
+                <a:latin typeface="Lucida Sans" pitchFamily="34" charset="0"/>
+              </a:rPr>
+              <a:t>the protocol needs huge amounts of traffic</a:t>
+            </a:r>
+          </a:p>
+          <a:p>
+            <a:pPr marL="457200" lvl="0" indent="-457200" algn="just">
+              <a:buClr>
+                <a:srgbClr val="FAA500"/>
+              </a:buClr>
+              <a:buSzPct val="80000"/>
+              <a:buFont typeface="Arial" panose="020B0604020202020204" pitchFamily="34" charset="0"/>
+              <a:buChar char="•"/>
+              <a:defRPr/>
+            </a:pPr>
+            <a:r>
+              <a:rPr lang="en-US" altLang="de-DE" sz="3200" dirty="0">
+                <a:solidFill>
+                  <a:prstClr val="black"/>
+                </a:solidFill>
+                <a:latin typeface="Lucida Sans" pitchFamily="34" charset="0"/>
+              </a:rPr>
+              <a:t>and a lot of CPU time</a:t>
+            </a:r>
+          </a:p>
+          <a:p>
+            <a:pPr lvl="0" algn="just">
+              <a:buClr>
+                <a:srgbClr val="FAA500"/>
+              </a:buClr>
+              <a:buSzPct val="80000"/>
+              <a:defRPr/>
+            </a:pPr>
+            <a:endParaRPr lang="en-US" altLang="de-DE" sz="3200" dirty="0">
+              <a:solidFill>
+                <a:prstClr val="black"/>
+              </a:solidFill>
+              <a:latin typeface="Lucida Sans" pitchFamily="34" charset="0"/>
+            </a:endParaRPr>
+          </a:p>
+          <a:p>
+            <a:pPr lvl="0" algn="just">
+              <a:buClr>
+                <a:srgbClr val="FAA500"/>
+              </a:buClr>
+              <a:buSzPct val="80000"/>
+              <a:defRPr/>
+            </a:pPr>
+            <a:r>
+              <a:rPr lang="en-US" altLang="de-DE" sz="3200" dirty="0">
+                <a:solidFill>
+                  <a:prstClr val="black"/>
+                </a:solidFill>
+                <a:latin typeface="Lucida Sans" pitchFamily="34" charset="0"/>
+              </a:rPr>
+              <a:t>It works by distributing every message to every client, so they can pick up the ones they can decrypt with the available private keys.</a:t>
+            </a:r>
+          </a:p>
+          <a:p>
+            <a:pPr lvl="0" algn="just">
+              <a:buClr>
+                <a:srgbClr val="FAA500"/>
+              </a:buClr>
+              <a:buSzPct val="80000"/>
+              <a:defRPr/>
+            </a:pPr>
+            <a:endParaRPr lang="en-US" altLang="de-DE" sz="3200" dirty="0">
+              <a:solidFill>
+                <a:prstClr val="black"/>
+              </a:solidFill>
+              <a:latin typeface="Lucida Sans" pitchFamily="34" charset="0"/>
+            </a:endParaRPr>
+          </a:p>
+          <a:p>
+            <a:pPr lvl="0" algn="just">
+              <a:buClr>
+                <a:srgbClr val="FAA500"/>
+              </a:buClr>
+              <a:buSzPct val="80000"/>
+              <a:defRPr/>
+            </a:pPr>
+            <a:r>
+              <a:rPr lang="en-US" altLang="de-DE" sz="3200" dirty="0">
+                <a:solidFill>
+                  <a:prstClr val="black"/>
+                </a:solidFill>
+                <a:latin typeface="Lucida Sans" pitchFamily="34" charset="0"/>
+              </a:rPr>
+              <a:t>To protect the network from malicious flooding, a proof of work is required, which is done by calculating a partial hash collision. This is designed to be relatively slow even on desktop computers.</a:t>
+            </a:r>
+          </a:p>
+          <a:p>
             <a:pPr algn="just">
               <a:buClr>
                 <a:srgbClr val="FAA500"/>
@@ -1764,15 +1992,39 @@
               <a:buSzPct val="80000"/>
               <a:defRPr/>
             </a:pPr>
-            <a:r>
-              <a:rPr lang="en-GB" altLang="de-DE" sz="4400" dirty="0" smtClean="0">
-                <a:solidFill>
-                  <a:srgbClr val="697D91"/>
-                </a:solidFill>
-                <a:latin typeface="+mj-lt"/>
-              </a:rPr>
-              <a:t>The App</a:t>
-            </a:r>
+            <a:endParaRPr lang="en-US" altLang="de-DE" sz="3200" dirty="0" smtClean="0">
+              <a:latin typeface="Lucida Sans" pitchFamily="34" charset="0"/>
+            </a:endParaRPr>
+          </a:p>
+          <a:p>
+            <a:pPr algn="just">
+              <a:buClr>
+                <a:srgbClr val="FAA500"/>
+              </a:buClr>
+              <a:buSzPct val="80000"/>
+              <a:defRPr/>
+            </a:pPr>
+            <a:r>
+              <a:rPr lang="en-US" altLang="de-DE" sz="3200" dirty="0" smtClean="0">
+                <a:latin typeface="Lucida Sans" pitchFamily="34" charset="0"/>
+              </a:rPr>
+              <a:t>To </a:t>
+            </a:r>
+            <a:r>
+              <a:rPr lang="en-US" altLang="de-DE" sz="3200" dirty="0">
+                <a:latin typeface="Lucida Sans" pitchFamily="34" charset="0"/>
+              </a:rPr>
+              <a:t>do all this you probably want as many CPU cores as possible, no shortage of electricity and a flat rate on internet access – not quite the prefect basis for a mobile app.</a:t>
+            </a:r>
+          </a:p>
+          <a:p>
+            <a:pPr algn="just">
+              <a:buClr>
+                <a:srgbClr val="FAA500"/>
+              </a:buClr>
+              <a:buSzPct val="80000"/>
+              <a:defRPr/>
+            </a:pPr>
             <a:endParaRPr lang="en-GB" altLang="de-DE" sz="3200" dirty="0" smtClean="0">
               <a:solidFill>
                 <a:srgbClr val="697D91"/>
@@ -1791,7 +2043,7 @@
           <p:nvPr/>
         </p:nvPicPr>
         <p:blipFill>
-          <a:blip r:embed="rId3">
+          <a:blip r:embed="rId2">
             <a:extLst>
               <a:ext uri="{28A0092B-C50C-407E-A947-70E740481C1C}">
                 <a14:useLocalDpi xmlns:a14="http://schemas.microsoft.com/office/drawing/2010/main" val="0"/>
@@ -1805,7 +2057,7 @@
         </p:blipFill>
         <p:spPr bwMode="auto">
           <a:xfrm>
-            <a:off x="7737101" y="15406597"/>
+            <a:off x="7737102" y="14364612"/>
             <a:ext cx="2007521" cy="2007521"/>
           </a:xfrm>
           <a:prstGeom prst="rect">
@@ -1832,7 +2084,7 @@
         <p:spPr>
           <a:xfrm>
             <a:off x="20508884" y="896767"/>
-            <a:ext cx="8845847" cy="10926068"/>
+            <a:ext cx="8845847" cy="769441"/>
           </a:xfrm>
           <a:prstGeom prst="rect">
             <a:avLst/>
@@ -1859,174 +2111,12 @@
                 </a:solidFill>
                 <a:latin typeface="+mj-lt"/>
               </a:rPr>
-              <a:t>Bitmessage</a:t>
+              <a:t>The Result</a:t>
             </a:r>
             <a:endParaRPr lang="en-GB" altLang="de-DE" sz="3200" dirty="0" smtClean="0">
               <a:solidFill>
                 <a:srgbClr val="697D91"/>
               </a:solidFill>
-              <a:latin typeface="Lucida Sans" pitchFamily="34" charset="0"/>
-            </a:endParaRPr>
-          </a:p>
-          <a:p>
-            <a:pPr algn="just">
-              <a:buClr>
-                <a:srgbClr val="FAA500"/>
-              </a:buClr>
-              <a:buSzPct val="80000"/>
-              <a:defRPr/>
-            </a:pPr>
-            <a:endParaRPr lang="en-GB" altLang="de-DE" sz="3200" dirty="0" smtClean="0">
-              <a:latin typeface="Lucida Sans" pitchFamily="34" charset="0"/>
-            </a:endParaRPr>
-          </a:p>
-          <a:p>
-            <a:pPr algn="just">
-              <a:buClr>
-                <a:srgbClr val="FAA500"/>
-              </a:buClr>
-              <a:buSzPct val="80000"/>
-              <a:defRPr/>
-            </a:pPr>
-            <a:r>
-              <a:rPr lang="en-GB" altLang="de-DE" sz="3200" dirty="0" err="1" smtClean="0">
-                <a:latin typeface="Lucida Sans" pitchFamily="34" charset="0"/>
-              </a:rPr>
-              <a:t>Bitmessage</a:t>
-            </a:r>
-            <a:r>
-              <a:rPr lang="en-GB" altLang="de-DE" sz="3200" dirty="0" smtClean="0">
-                <a:latin typeface="Lucida Sans" pitchFamily="34" charset="0"/>
-              </a:rPr>
-              <a:t> is a peer to peer messaging protocol that builds a mesh network among the participating clients. Every client tries to maintain multiple connections to other network nodes and has a full copy of every current object.</a:t>
-            </a:r>
-          </a:p>
-          <a:p>
-            <a:pPr algn="just">
-              <a:buClr>
-                <a:srgbClr val="FAA500"/>
-              </a:buClr>
-              <a:buSzPct val="80000"/>
-              <a:defRPr/>
-            </a:pPr>
-            <a:r>
-              <a:rPr lang="en-GB" altLang="de-DE" sz="3200" dirty="0" smtClean="0">
-                <a:latin typeface="Lucida Sans" pitchFamily="34" charset="0"/>
-              </a:rPr>
-              <a:t>Objects are encrypted using a public key. Every client tries to decrypt each new object using its private keys, processing the ones where it succeeds.</a:t>
-            </a:r>
-          </a:p>
-          <a:p>
-            <a:pPr algn="just">
-              <a:buClr>
-                <a:srgbClr val="FAA500"/>
-              </a:buClr>
-              <a:buSzPct val="80000"/>
-              <a:defRPr/>
-            </a:pPr>
-            <a:r>
-              <a:rPr lang="en-GB" altLang="de-DE" sz="3200" dirty="0" smtClean="0">
-                <a:latin typeface="Lucida Sans" pitchFamily="34" charset="0"/>
-              </a:rPr>
-              <a:t>A big advantage of </a:t>
-            </a:r>
-            <a:r>
-              <a:rPr lang="en-GB" altLang="de-DE" sz="3200" dirty="0" err="1" smtClean="0">
-                <a:latin typeface="Lucida Sans" pitchFamily="34" charset="0"/>
-              </a:rPr>
-              <a:t>Bitmessage</a:t>
-            </a:r>
-            <a:r>
-              <a:rPr lang="en-GB" altLang="de-DE" sz="3200" dirty="0" smtClean="0">
-                <a:latin typeface="Lucida Sans" pitchFamily="34" charset="0"/>
-              </a:rPr>
-              <a:t> is its inherent key management. The address contains a hash of the public key, and retrieving said key is an integral part of the protocol.</a:t>
-            </a:r>
-            <a:r>
-              <a:rPr lang="en-GB" altLang="de-DE" sz="3200" dirty="0">
-                <a:latin typeface="Lucida Sans" pitchFamily="34" charset="0"/>
-              </a:rPr>
-              <a:t> </a:t>
-            </a:r>
-            <a:r>
-              <a:rPr lang="en-GB" altLang="de-DE" sz="3200" dirty="0" smtClean="0">
-                <a:latin typeface="Lucida Sans" pitchFamily="34" charset="0"/>
-              </a:rPr>
-              <a:t>The way addresses look is a disadvantage that ensues:</a:t>
-            </a:r>
-            <a:endParaRPr lang="en-GB" altLang="de-DE" sz="3200" dirty="0">
-              <a:latin typeface="Lucida Sans" pitchFamily="34" charset="0"/>
-            </a:endParaRPr>
-          </a:p>
-          <a:p>
-            <a:pPr algn="just">
-              <a:buClr>
-                <a:srgbClr val="FAA500"/>
-              </a:buClr>
-              <a:buSzPct val="80000"/>
-              <a:defRPr/>
-            </a:pPr>
-            <a:endParaRPr lang="en-GB" altLang="de-DE" sz="2800" i="1" dirty="0" smtClean="0">
-              <a:latin typeface="Lucida Sans" pitchFamily="34" charset="0"/>
-            </a:endParaRPr>
-          </a:p>
-          <a:p>
-            <a:pPr algn="just">
-              <a:buClr>
-                <a:srgbClr val="FAA500"/>
-              </a:buClr>
-              <a:buSzPct val="80000"/>
-              <a:defRPr/>
-            </a:pPr>
-            <a:r>
-              <a:rPr lang="en-GB" altLang="de-DE" sz="2800" dirty="0" smtClean="0">
-                <a:latin typeface="Lucida Console"/>
-                <a:cs typeface="Lucida Console"/>
-              </a:rPr>
-              <a:t>BM-2cWs84ik1Fj7jdJKrn3vDecxQbH9R4VS9r</a:t>
-            </a:r>
-          </a:p>
-          <a:p>
-            <a:pPr algn="just">
-              <a:buClr>
-                <a:srgbClr val="FAA500"/>
-              </a:buClr>
-              <a:buSzPct val="80000"/>
-              <a:defRPr/>
-            </a:pPr>
-            <a:r>
-              <a:rPr lang="en-GB" altLang="de-DE" sz="2800" dirty="0">
-                <a:latin typeface="Lucida Console"/>
-                <a:cs typeface="Lucida Console"/>
-              </a:rPr>
-              <a:t>BM-2cUau5uxBYCK2Z2TVwUZnnNfYW5yyutekC</a:t>
-            </a:r>
-            <a:endParaRPr lang="en-GB" altLang="de-DE" sz="2800" dirty="0" smtClean="0">
-              <a:latin typeface="Lucida Console"/>
-              <a:cs typeface="Lucida Console"/>
-            </a:endParaRPr>
-          </a:p>
-          <a:p>
-            <a:pPr algn="just">
-              <a:buClr>
-                <a:srgbClr val="FAA500"/>
-              </a:buClr>
-              <a:buSzPct val="80000"/>
-              <a:defRPr/>
-            </a:pPr>
-            <a:endParaRPr lang="en-GB" altLang="de-DE" sz="3200" dirty="0" smtClean="0">
-              <a:latin typeface="Lucida Sans" pitchFamily="34" charset="0"/>
-            </a:endParaRPr>
-          </a:p>
-          <a:p>
-            <a:pPr algn="just">
-              <a:buClr>
-                <a:srgbClr val="FAA500"/>
-              </a:buClr>
-              <a:buSzPct val="80000"/>
-              <a:defRPr/>
-            </a:pPr>
-            <a:endParaRPr lang="en-GB" altLang="de-DE" sz="3200" dirty="0" smtClean="0">
               <a:latin typeface="Lucida Sans" pitchFamily="34" charset="0"/>
             </a:endParaRPr>
           </a:p>
@@ -2040,8 +2130,8 @@
         </p:nvSpPr>
         <p:spPr>
           <a:xfrm>
-            <a:off x="10822475" y="13948300"/>
-            <a:ext cx="8845847" cy="3539430"/>
+            <a:off x="20508883" y="14044808"/>
+            <a:ext cx="8845847" cy="2554545"/>
           </a:xfrm>
           <a:prstGeom prst="rect">
             <a:avLst/>
@@ -2071,25 +2161,37 @@
               <a:rPr lang="en-GB" altLang="de-DE" sz="3200" dirty="0">
                 <a:latin typeface="Lucida Sans" pitchFamily="34" charset="0"/>
               </a:rPr>
-              <a:t>app looks just like any e-mail app, apart from two specialities: the identity in the orange part on top, and the switch called ‘full node’ at the bottom. The first is how </a:t>
+              <a:t>app looks just like any e-mail </a:t>
             </a:r>
             <a:r>
               <a:rPr lang="en-GB" altLang="de-DE" sz="3200" dirty="0" smtClean="0">
                 <a:latin typeface="Lucida Sans" pitchFamily="34" charset="0"/>
               </a:rPr>
-              <a:t>addresses </a:t>
+              <a:t>app, apart from the look of Bitmessage addresses and the </a:t>
             </a:r>
             <a:r>
               <a:rPr lang="en-GB" altLang="de-DE" sz="3200" dirty="0">
                 <a:latin typeface="Lucida Sans" pitchFamily="34" charset="0"/>
               </a:rPr>
-              <a:t>look like in Bitmessage, and the latter starts the resource hungry connection to the Bitmessage network</a:t>
+              <a:t>switch called ‘full node’ at the </a:t>
             </a:r>
             <a:r>
               <a:rPr lang="en-GB" altLang="de-DE" sz="3200" dirty="0" smtClean="0">
                 <a:latin typeface="Lucida Sans" pitchFamily="34" charset="0"/>
               </a:rPr>
-              <a:t>.</a:t>
+              <a:t>bottom, which </a:t>
+            </a:r>
+            <a:r>
+              <a:rPr lang="en-GB" altLang="de-DE" sz="3200" dirty="0">
+                <a:latin typeface="Lucida Sans" pitchFamily="34" charset="0"/>
+              </a:rPr>
+              <a:t>starts the resource hungry connection to the </a:t>
+            </a:r>
+            <a:r>
+              <a:rPr lang="en-GB" altLang="de-DE" sz="3200" dirty="0" smtClean="0">
+                <a:latin typeface="Lucida Sans" pitchFamily="34" charset="0"/>
+              </a:rPr>
+              <a:t>network.</a:t>
             </a:r>
             <a:endParaRPr lang="en-GB" altLang="de-DE" sz="3200" dirty="0">
               <a:latin typeface="Lucida Sans" pitchFamily="34" charset="0"/>
@@ -2105,7 +2207,7 @@
         </p:nvSpPr>
         <p:spPr>
           <a:xfrm>
-            <a:off x="898777" y="15406597"/>
+            <a:off x="898778" y="14364612"/>
             <a:ext cx="6416424" cy="1077218"/>
           </a:xfrm>
           <a:prstGeom prst="rect">
@@ -2127,10 +2229,52 @@
               <a:defRPr/>
             </a:pPr>
             <a:r>
+              <a:rPr lang="en-US" altLang="de-DE" sz="3200" i="1" dirty="0" smtClean="0">
+                <a:latin typeface="Lucida Sans" pitchFamily="34" charset="0"/>
+              </a:rPr>
+              <a:t>Visit</a:t>
+            </a:r>
+            <a:r>
+              <a:rPr lang="en-US" altLang="de-DE" sz="3200" b="1" i="1" dirty="0" smtClean="0">
+                <a:latin typeface="Lucida Sans" pitchFamily="34" charset="0"/>
+              </a:rPr>
+              <a:t> </a:t>
+            </a:r>
+            <a:r>
+              <a:rPr lang="en-US" altLang="de-DE" sz="3200" b="1" i="1" dirty="0">
+                <a:solidFill>
+                  <a:srgbClr val="0070C0"/>
+                </a:solidFill>
+                <a:latin typeface="Lucida Sans" pitchFamily="34" charset="0"/>
+              </a:rPr>
+              <a:t>dissem.ch/</a:t>
+            </a:r>
+            <a:r>
+              <a:rPr lang="en-US" altLang="de-DE" sz="3200" b="1" i="1" dirty="0" err="1">
+                <a:solidFill>
+                  <a:srgbClr val="0070C0"/>
+                </a:solidFill>
+                <a:latin typeface="Lucida Sans" pitchFamily="34" charset="0"/>
+              </a:rPr>
+              <a:t>abit</a:t>
+            </a:r>
+            <a:r>
+              <a:rPr lang="en-US" altLang="de-DE" sz="3200" b="1" i="1" dirty="0">
+                <a:latin typeface="Lucida Sans" pitchFamily="34" charset="0"/>
+              </a:rPr>
+              <a:t> </a:t>
+            </a:r>
+            <a:r>
+              <a:rPr lang="en-US" altLang="de-DE" sz="3200" i="1" dirty="0" smtClean="0">
+                <a:latin typeface="Lucida Sans" pitchFamily="34" charset="0"/>
+              </a:rPr>
+              <a:t>to </a:t>
+            </a:r>
+            <a:r>
               <a:rPr lang="en-US" altLang="de-DE" sz="3200" i="1" dirty="0">
                 <a:latin typeface="Lucida Sans" pitchFamily="34" charset="0"/>
               </a:rPr>
-              <a:t>Scan this QR code to get </a:t>
+              <a:t>get </a:t>
             </a:r>
             <a:r>
               <a:rPr lang="en-US" altLang="de-DE" sz="3200" i="1" dirty="0" smtClean="0">
@@ -2156,6 +2300,48 @@
           </a:p>
         </p:txBody>
       </p:sp>
+      <p:pic>
+        <p:nvPicPr>
+          <p:cNvPr id="1026" name="Picture 2" descr="C:\Users\chrig\Downloads\Screenshot (31 Dec 2015 09-51-59).png"/>
+          <p:cNvPicPr>
+            <a:picLocks noChangeAspect="1" noChangeArrowheads="1"/>
+          </p:cNvPicPr>
+          <p:nvPr/>
+        </p:nvPicPr>
+        <p:blipFill>
+          <a:blip r:embed="rId3">
+            <a:extLst>
+              <a:ext uri="{28A0092B-C50C-407E-A947-70E740481C1C}">
+                <a14:useLocalDpi xmlns:a14="http://schemas.microsoft.com/office/drawing/2010/main" val="0"/>
+              </a:ext>
+            </a:extLst>
+          </a:blip>
+          <a:srcRect/>
+          <a:stretch>
+            <a:fillRect/>
+          </a:stretch>
+        </p:blipFill>
+        <p:spPr bwMode="auto">
+          <a:xfrm>
+            <a:off x="21639490" y="2116308"/>
+            <a:ext cx="6584634" cy="11706017"/>
+          </a:xfrm>
+          <a:prstGeom prst="rect">
+            <a:avLst/>
+          </a:prstGeom>
+          <a:noFill/>
+          <a:effectLst/>
+          <a:extLst>
+            <a:ext uri="{909E8E84-426E-40DD-AFC4-6F175D3DCCD1}">
+              <a14:hiddenFill xmlns:a14="http://schemas.microsoft.com/office/drawing/2010/main">
+                <a:solidFill>
+                  <a:srgbClr val="FFFFFF"/>
+                </a:solidFill>
+              </a14:hiddenFill>
+            </a:ext>
+          </a:extLst>
+        </p:spPr>
+      </p:pic>
     </p:spTree>
     <p:extLst>
       <p:ext uri="{BB962C8B-B14F-4D97-AF65-F5344CB8AC3E}">

--- a/poster/Poster A1, Bitmessage for Android, Christian Basler.pptx
+++ b/poster/Poster A1, Bitmessage for Android, Christian Basler.pptx
@@ -188,14 +188,14 @@
             <a:noFill/>
           </a:ln>
           <a:extLst>
-            <a:ext uri="{909E8E84-426E-40DD-AFC4-6F175D3DCCD1}">
+            <a:ext uri="{909E8E84-426E-40dd-AFC4-6F175D3DCCD1}">
               <a14:hiddenFill xmlns:a14="http://schemas.microsoft.com/office/drawing/2010/main">
                 <a:solidFill>
                   <a:srgbClr val="FFFFFF"/>
                 </a:solidFill>
               </a14:hiddenFill>
             </a:ext>
-            <a:ext uri="{91240B29-F687-4F45-9708-019B960494DF}">
+            <a:ext uri="{91240B29-F687-4f45-9708-019B960494DF}">
               <a14:hiddenLine xmlns:a14="http://schemas.microsoft.com/office/drawing/2010/main" w="9525">
                 <a:solidFill>
                   <a:srgbClr val="000000"/>
@@ -273,14 +273,14 @@
             <a:noFill/>
           </a:ln>
           <a:extLst>
-            <a:ext uri="{909E8E84-426E-40DD-AFC4-6F175D3DCCD1}">
+            <a:ext uri="{909E8E84-426E-40dd-AFC4-6F175D3DCCD1}">
               <a14:hiddenFill xmlns:a14="http://schemas.microsoft.com/office/drawing/2010/main">
                 <a:solidFill>
                   <a:srgbClr val="FFFFFF"/>
                 </a:solidFill>
               </a14:hiddenFill>
             </a:ext>
-            <a:ext uri="{91240B29-F687-4F45-9708-019B960494DF}">
+            <a:ext uri="{91240B29-F687-4f45-9708-019B960494DF}">
               <a14:hiddenLine xmlns:a14="http://schemas.microsoft.com/office/drawing/2010/main" w="9525">
                 <a:solidFill>
                   <a:srgbClr val="000000"/>
@@ -501,7 +501,7 @@
   <p:timing>
     <p:tnLst>
       <p:par>
-        <p:cTn id="1" dur="indefinite" restart="never" nodeType="tmRoot"/>
+        <p:cTn xmlns:p14="http://schemas.microsoft.com/office/powerpoint/2010/main" id="1" dur="indefinite" restart="never" nodeType="tmRoot"/>
       </p:par>
     </p:tnLst>
   </p:timing>
@@ -1728,8 +1728,8 @@
         </p:nvSpPr>
         <p:spPr>
           <a:xfrm>
-            <a:off x="10822475" y="896767"/>
-            <a:ext cx="8845847" cy="15050274"/>
+            <a:off x="10704883" y="896767"/>
+            <a:ext cx="8845847" cy="16527607"/>
           </a:xfrm>
           <a:prstGeom prst="rect">
             <a:avLst/>
@@ -2014,7 +2014,19 @@
               <a:rPr lang="en-US" altLang="de-DE" sz="3200" dirty="0">
                 <a:latin typeface="Lucida Sans" pitchFamily="34" charset="0"/>
               </a:rPr>
-              <a:t>do all this you probably want as many CPU cores as possible, no shortage of electricity and a flat rate on internet access – not quite the prefect basis for a mobile app.</a:t>
+              <a:t>do all this you probably want as many CPU cores as possible, no shortage of electricity and a flat rate on internet access – not quite the </a:t>
+            </a:r>
+            <a:r>
+              <a:rPr lang="en-US" altLang="de-DE" sz="3200" dirty="0" smtClean="0">
+                <a:latin typeface="Lucida Sans" pitchFamily="34" charset="0"/>
+              </a:rPr>
+              <a:t>perfect </a:t>
+            </a:r>
+            <a:r>
+              <a:rPr lang="en-US" altLang="de-DE" sz="3200" dirty="0">
+                <a:latin typeface="Lucida Sans" pitchFamily="34" charset="0"/>
+              </a:rPr>
+              <a:t>basis for a mobile app.</a:t>
             </a:r>
           </a:p>
           <a:p>
@@ -2065,7 +2077,7 @@
           </a:prstGeom>
           <a:noFill/>
           <a:extLst>
-            <a:ext uri="{909E8E84-426E-40DD-AFC4-6F175D3DCCD1}">
+            <a:ext uri="{909E8E84-426E-40dd-AFC4-6F175D3DCCD1}">
               <a14:hiddenFill xmlns:a14="http://schemas.microsoft.com/office/drawing/2010/main">
                 <a:solidFill>
                   <a:srgbClr val="FFFFFF"/>
@@ -2130,8 +2142,8 @@
         </p:nvSpPr>
         <p:spPr>
           <a:xfrm>
-            <a:off x="20508883" y="14044808"/>
-            <a:ext cx="8845847" cy="2554545"/>
+            <a:off x="20508885" y="13038552"/>
+            <a:ext cx="8845846" cy="4524315"/>
           </a:xfrm>
           <a:prstGeom prst="rect">
             <a:avLst/>
@@ -2152,16 +2164,22 @@
               <a:defRPr/>
             </a:pPr>
             <a:r>
+              <a:rPr lang="en-GB" altLang="de-DE" sz="3200" dirty="0" err="1" smtClean="0">
+                <a:latin typeface="Lucida Sans" pitchFamily="34" charset="0"/>
+              </a:rPr>
+              <a:t>Abit</a:t>
+            </a:r>
+            <a:r>
               <a:rPr lang="en-GB" altLang="de-DE" sz="3200" dirty="0" smtClean="0">
                 <a:latin typeface="Lucida Sans" pitchFamily="34" charset="0"/>
               </a:rPr>
-              <a:t>The </a:t>
+              <a:t> looks </a:t>
             </a:r>
             <a:r>
               <a:rPr lang="en-GB" altLang="de-DE" sz="3200" dirty="0">
                 <a:latin typeface="Lucida Sans" pitchFamily="34" charset="0"/>
               </a:rPr>
-              <a:t>app looks just like any e-mail </a:t>
+              <a:t>just like any e-mail </a:t>
             </a:r>
             <a:r>
               <a:rPr lang="en-GB" altLang="de-DE" sz="3200" dirty="0" smtClean="0">
@@ -2185,13 +2203,58 @@
               <a:rPr lang="en-GB" altLang="de-DE" sz="3200" dirty="0">
                 <a:latin typeface="Lucida Sans" pitchFamily="34" charset="0"/>
               </a:rPr>
-              <a:t>starts the resource hungry connection to the </a:t>
+              <a:t>starts the </a:t>
             </a:r>
             <a:r>
               <a:rPr lang="en-GB" altLang="de-DE" sz="3200" dirty="0" smtClean="0">
                 <a:latin typeface="Lucida Sans" pitchFamily="34" charset="0"/>
               </a:rPr>
-              <a:t>network.</a:t>
+              <a:t>connection </a:t>
+            </a:r>
+            <a:r>
+              <a:rPr lang="en-GB" altLang="de-DE" sz="3200" dirty="0">
+                <a:latin typeface="Lucida Sans" pitchFamily="34" charset="0"/>
+              </a:rPr>
+              <a:t>to the </a:t>
+            </a:r>
+            <a:r>
+              <a:rPr lang="en-GB" altLang="de-DE" sz="3200" dirty="0" smtClean="0">
+                <a:latin typeface="Lucida Sans" pitchFamily="34" charset="0"/>
+              </a:rPr>
+              <a:t>network</a:t>
+            </a:r>
+            <a:r>
+              <a:rPr lang="en-GB" altLang="de-DE" sz="3200" dirty="0" smtClean="0">
+                <a:latin typeface="Lucida Sans" pitchFamily="34" charset="0"/>
+              </a:rPr>
+              <a:t>.</a:t>
+            </a:r>
+          </a:p>
+          <a:p>
+            <a:pPr algn="just">
+              <a:buClr>
+                <a:srgbClr val="FAA500"/>
+              </a:buClr>
+              <a:buSzPct val="80000"/>
+              <a:defRPr/>
+            </a:pPr>
+            <a:endParaRPr lang="en-GB" altLang="de-DE" sz="3200" dirty="0" smtClean="0">
+              <a:latin typeface="Lucida Sans" pitchFamily="34" charset="0"/>
+            </a:endParaRPr>
+          </a:p>
+          <a:p>
+            <a:pPr algn="just">
+              <a:buClr>
+                <a:srgbClr val="FAA500"/>
+              </a:buClr>
+              <a:buSzPct val="80000"/>
+              <a:defRPr/>
+            </a:pPr>
+            <a:r>
+              <a:rPr lang="en-GB" altLang="de-DE" sz="3200" dirty="0" smtClean="0">
+                <a:latin typeface="Lucida Sans" pitchFamily="34" charset="0"/>
+              </a:rPr>
+              <a:t>If a so called ‘trusted node’ is defined in the settings, it will periodically check for new messages even without the full node running.</a:t>
             </a:r>
             <a:endParaRPr lang="en-GB" altLang="de-DE" sz="3200" dirty="0">
               <a:latin typeface="Lucida Sans" pitchFamily="34" charset="0"/>
@@ -2268,19 +2331,13 @@
               <a:rPr lang="en-US" altLang="de-DE" sz="3200" i="1" dirty="0" smtClean="0">
                 <a:latin typeface="Lucida Sans" pitchFamily="34" charset="0"/>
               </a:rPr>
-              <a:t>to </a:t>
-            </a:r>
-            <a:r>
-              <a:rPr lang="en-US" altLang="de-DE" sz="3200" i="1" dirty="0">
-                <a:latin typeface="Lucida Sans" pitchFamily="34" charset="0"/>
-              </a:rPr>
-              <a:t>get </a:t>
+              <a:t>for more </a:t>
             </a:r>
             <a:r>
               <a:rPr lang="en-US" altLang="de-DE" sz="3200" i="1" dirty="0" smtClean="0">
                 <a:latin typeface="Lucida Sans" pitchFamily="34" charset="0"/>
               </a:rPr>
-              <a:t>more information </a:t>
+              <a:t>information </a:t>
             </a:r>
             <a:r>
               <a:rPr lang="en-US" altLang="de-DE" sz="3200" i="1" dirty="0">
@@ -2323,8 +2380,8 @@
         </p:blipFill>
         <p:spPr bwMode="auto">
           <a:xfrm>
-            <a:off x="21639490" y="2116308"/>
-            <a:ext cx="6584634" cy="11706017"/>
+            <a:off x="20602956" y="2116309"/>
+            <a:ext cx="5949347" cy="10576618"/>
           </a:xfrm>
           <a:prstGeom prst="rect">
             <a:avLst/>
@@ -2332,7 +2389,7 @@
           <a:noFill/>
           <a:effectLst/>
           <a:extLst>
-            <a:ext uri="{909E8E84-426E-40DD-AFC4-6F175D3DCCD1}">
+            <a:ext uri="{909E8E84-426E-40dd-AFC4-6F175D3DCCD1}">
               <a14:hiddenFill xmlns:a14="http://schemas.microsoft.com/office/drawing/2010/main">
                 <a:solidFill>
                   <a:srgbClr val="FFFFFF"/>
@@ -2355,7 +2412,7 @@
   <p:timing>
     <p:tnLst>
       <p:par>
-        <p:cTn id="1" dur="indefinite" restart="never" nodeType="tmRoot"/>
+        <p:cTn xmlns:p14="http://schemas.microsoft.com/office/powerpoint/2010/main" id="1" dur="indefinite" restart="never" nodeType="tmRoot"/>
       </p:par>
     </p:tnLst>
   </p:timing>
@@ -2623,37 +2680,10 @@
 </file>
 
 <file path=customXml/item1.xml><?xml version="1.0" encoding="utf-8"?>
-<?mso-contentType ?>
-<FormTemplates xmlns="http://schemas.microsoft.com/sharepoint/v3/contenttype/forms">
-  <Display>DocumentLibraryForm</Display>
-  <Edit>DocumentLibraryForm</Edit>
-  <New>DocumentLibraryForm</New>
-</FormTemplates>
+<LongProperties xmlns="http://schemas.microsoft.com/office/2006/metadata/longProperties"/>
 </file>
 
 <file path=customXml/item2.xml><?xml version="1.0" encoding="utf-8"?>
-<p:properties xmlns:p="http://schemas.microsoft.com/office/2006/metadata/properties" xmlns:xsi="http://www.w3.org/2001/XMLSchema-instance" xmlns:pc="http://schemas.microsoft.com/office/infopath/2007/PartnerControls">
-  <documentManagement>
-    <BfhIntranetDepartmentText xmlns="63c724b1-652e-424f-8d99-4ee509067280">
-      <Terms xmlns="http://schemas.microsoft.com/office/infopath/2007/PartnerControls">
-        <TermInfo xmlns="http://schemas.microsoft.com/office/infopath/2007/PartnerControls">
-          <TermName xmlns="http://schemas.microsoft.com/office/infopath/2007/PartnerControls">Vorlage</TermName>
-          <TermId xmlns="http://schemas.microsoft.com/office/infopath/2007/PartnerControls">de1a6d3c-ac6a-4b34-8edd-308eb81066db</TermId>
-        </TermInfo>
-      </Terms>
-    </BfhIntranetDepartmentText>
-    <TaxCatchAll xmlns="2551ef7e-3b29-44d1-a8ad-ef34c26bfc60">
-      <Value>241</Value>
-    </TaxCatchAll>
-  </documentManagement>
-</p:properties>
-</file>
-
-<file path=customXml/item3.xml><?xml version="1.0" encoding="utf-8"?>
-<LongProperties xmlns="http://schemas.microsoft.com/office/2006/metadata/longProperties"/>
-</file>
-
-<file path=customXml/item4.xml><?xml version="1.0" encoding="utf-8"?>
 <ct:contentTypeSchema xmlns:ct="http://schemas.microsoft.com/office/2006/metadata/contentType" xmlns:ma="http://schemas.microsoft.com/office/2006/metadata/properties/metaAttributes" ct:_="" ma:_="" ma:contentTypeName="BFH Document" ma:contentTypeID="0x0101009127C3B567804923A8661E062BBD8EF500562C9D82744B284A86093F1D9B579BDC" ma:contentTypeVersion="2" ma:contentTypeDescription="Ein neues Dokument erstellen." ma:contentTypeScope="" ma:versionID="9c45b5bf27c78835ceac1d8ed0ad849b">
   <xsd:schema xmlns:xsd="http://www.w3.org/2001/XMLSchema" xmlns:xs="http://www.w3.org/2001/XMLSchema" xmlns:p="http://schemas.microsoft.com/office/2006/metadata/properties" xmlns:ns2="63c724b1-652e-424f-8d99-4ee509067280" xmlns:ns3="2551ef7e-3b29-44d1-a8ad-ef34c26bfc60" targetNamespace="http://schemas.microsoft.com/office/2006/metadata/properties" ma:root="true" ma:fieldsID="77ddedd9f4909d73cfb737d3d691d0f9" ns2:_="" ns3:_="">
     <xsd:import namespace="63c724b1-652e-424f-8d99-4ee509067280"/>
@@ -2798,32 +2828,34 @@
 </ct:contentTypeSchema>
 </file>
 
-<file path=customXml/itemProps1.xml><?xml version="1.0" encoding="utf-8"?>
-<ds:datastoreItem xmlns:ds="http://schemas.openxmlformats.org/officeDocument/2006/customXml" ds:itemID="{47870AFC-B140-4E73-B0E2-054A74E7EB25}">
-  <ds:schemaRefs>
-    <ds:schemaRef ds:uri="http://schemas.microsoft.com/sharepoint/v3/contenttype/forms"/>
-  </ds:schemaRefs>
-</ds:datastoreItem>
+<file path=customXml/item3.xml><?xml version="1.0" encoding="utf-8"?>
+<?mso-contentType ?>
+<FormTemplates xmlns="http://schemas.microsoft.com/sharepoint/v3/contenttype/forms">
+  <Display>DocumentLibraryForm</Display>
+  <Edit>DocumentLibraryForm</Edit>
+  <New>DocumentLibraryForm</New>
+</FormTemplates>
 </file>
 
-<file path=customXml/itemProps2.xml><?xml version="1.0" encoding="utf-8"?>
-<ds:datastoreItem xmlns:ds="http://schemas.openxmlformats.org/officeDocument/2006/customXml" ds:itemID="{12310AE4-98C2-4A3E-BE75-5A8AB8823A32}">
-  <ds:schemaRefs>
-    <ds:schemaRef ds:uri="http://schemas.microsoft.com/office/2006/metadata/properties"/>
-    <ds:schemaRef ds:uri="http://schemas.microsoft.com/office/infopath/2007/PartnerControls"/>
-    <ds:schemaRef ds:uri="http://schemas.microsoft.com/office/2006/documentManagement/types"/>
-    <ds:schemaRef ds:uri="http://purl.org/dc/elements/1.1/"/>
-    <ds:schemaRef ds:uri="63c724b1-652e-424f-8d99-4ee509067280"/>
-    <ds:schemaRef ds:uri="http://purl.org/dc/terms/"/>
-    <ds:schemaRef ds:uri="http://www.w3.org/XML/1998/namespace"/>
-    <ds:schemaRef ds:uri="2551ef7e-3b29-44d1-a8ad-ef34c26bfc60"/>
-    <ds:schemaRef ds:uri="http://schemas.openxmlformats.org/package/2006/metadata/core-properties"/>
-    <ds:schemaRef ds:uri="http://purl.org/dc/dcmitype/"/>
-  </ds:schemaRefs>
-</ds:datastoreItem>
+<file path=customXml/item4.xml><?xml version="1.0" encoding="utf-8"?>
+<p:properties xmlns:p="http://schemas.microsoft.com/office/2006/metadata/properties" xmlns:xsi="http://www.w3.org/2001/XMLSchema-instance" xmlns:pc="http://schemas.microsoft.com/office/infopath/2007/PartnerControls">
+  <documentManagement>
+    <BfhIntranetDepartmentText xmlns="63c724b1-652e-424f-8d99-4ee509067280">
+      <Terms xmlns="http://schemas.microsoft.com/office/infopath/2007/PartnerControls">
+        <TermInfo xmlns="http://schemas.microsoft.com/office/infopath/2007/PartnerControls">
+          <TermName xmlns="http://schemas.microsoft.com/office/infopath/2007/PartnerControls">Vorlage</TermName>
+          <TermId xmlns="http://schemas.microsoft.com/office/infopath/2007/PartnerControls">de1a6d3c-ac6a-4b34-8edd-308eb81066db</TermId>
+        </TermInfo>
+      </Terms>
+    </BfhIntranetDepartmentText>
+    <TaxCatchAll xmlns="2551ef7e-3b29-44d1-a8ad-ef34c26bfc60">
+      <Value>241</Value>
+    </TaxCatchAll>
+  </documentManagement>
+</p:properties>
 </file>
 
-<file path=customXml/itemProps3.xml><?xml version="1.0" encoding="utf-8"?>
+<file path=customXml/itemProps1.xml><?xml version="1.0" encoding="utf-8"?>
 <ds:datastoreItem xmlns:ds="http://schemas.openxmlformats.org/officeDocument/2006/customXml" ds:itemID="{34ACECAE-8DDC-4218-ADDE-80828E100BF5}">
   <ds:schemaRefs>
     <ds:schemaRef ds:uri="http://schemas.microsoft.com/office/2006/metadata/longProperties"/>
@@ -2831,7 +2863,7 @@
 </ds:datastoreItem>
 </file>
 
-<file path=customXml/itemProps4.xml><?xml version="1.0" encoding="utf-8"?>
+<file path=customXml/itemProps2.xml><?xml version="1.0" encoding="utf-8"?>
 <ds:datastoreItem xmlns:ds="http://schemas.openxmlformats.org/officeDocument/2006/customXml" ds:itemID="{064F56C1-3E03-4158-81FF-45AFD11405FB}">
   <ds:schemaRefs>
     <ds:schemaRef ds:uri="http://schemas.microsoft.com/office/2006/metadata/contentType"/>
@@ -2848,4 +2880,29 @@
     <ds:schemaRef ds:uri="http://schemas.microsoft.com/internal/obd"/>
   </ds:schemaRefs>
 </ds:datastoreItem>
+</file>
+
+<file path=customXml/itemProps3.xml><?xml version="1.0" encoding="utf-8"?>
+<ds:datastoreItem xmlns:ds="http://schemas.openxmlformats.org/officeDocument/2006/customXml" ds:itemID="{47870AFC-B140-4E73-B0E2-054A74E7EB25}">
+  <ds:schemaRefs>
+    <ds:schemaRef ds:uri="http://schemas.microsoft.com/sharepoint/v3/contenttype/forms"/>
+  </ds:schemaRefs>
+</ds:datastoreItem>
+</file>
+
+<file path=customXml/itemProps4.xml><?xml version="1.0" encoding="utf-8"?>
+<ds:datastoreItem xmlns:ds="http://schemas.openxmlformats.org/officeDocument/2006/customXml" ds:itemID="{12310AE4-98C2-4A3E-BE75-5A8AB8823A32}">
+  <ds:schemaRefs>
+    <ds:schemaRef ds:uri="http://schemas.microsoft.com/office/2006/metadata/properties"/>
+    <ds:schemaRef ds:uri="http://schemas.microsoft.com/office/infopath/2007/PartnerControls"/>
+    <ds:schemaRef ds:uri="http://schemas.microsoft.com/office/2006/documentManagement/types"/>
+    <ds:schemaRef ds:uri="http://purl.org/dc/elements/1.1/"/>
+    <ds:schemaRef ds:uri="63c724b1-652e-424f-8d99-4ee509067280"/>
+    <ds:schemaRef ds:uri="http://purl.org/dc/terms/"/>
+    <ds:schemaRef ds:uri="http://www.w3.org/XML/1998/namespace"/>
+    <ds:schemaRef ds:uri="2551ef7e-3b29-44d1-a8ad-ef34c26bfc60"/>
+    <ds:schemaRef ds:uri="http://schemas.openxmlformats.org/package/2006/metadata/core-properties"/>
+    <ds:schemaRef ds:uri="http://purl.org/dc/dcmitype/"/>
+  </ds:schemaRefs>
+</ds:datastoreItem>
 </file>
--- a/poster/Poster A1, Bitmessage for Android, Christian Basler.pptx
+++ b/poster/Poster A1, Bitmessage for Android, Christian Basler.pptx
@@ -188,14 +188,14 @@
             <a:noFill/>
           </a:ln>
           <a:extLst>
-            <a:ext uri="{909E8E84-426E-40dd-AFC4-6F175D3DCCD1}">
+            <a:ext uri="{909E8E84-426E-40DD-AFC4-6F175D3DCCD1}">
               <a14:hiddenFill xmlns:a14="http://schemas.microsoft.com/office/drawing/2010/main">
                 <a:solidFill>
                   <a:srgbClr val="FFFFFF"/>
                 </a:solidFill>
               </a14:hiddenFill>
             </a:ext>
-            <a:ext uri="{91240B29-F687-4f45-9708-019B960494DF}">
+            <a:ext uri="{91240B29-F687-4F45-9708-019B960494DF}">
               <a14:hiddenLine xmlns:a14="http://schemas.microsoft.com/office/drawing/2010/main" w="9525">
                 <a:solidFill>
                   <a:srgbClr val="000000"/>
@@ -273,14 +273,14 @@
             <a:noFill/>
           </a:ln>
           <a:extLst>
-            <a:ext uri="{909E8E84-426E-40dd-AFC4-6F175D3DCCD1}">
+            <a:ext uri="{909E8E84-426E-40DD-AFC4-6F175D3DCCD1}">
               <a14:hiddenFill xmlns:a14="http://schemas.microsoft.com/office/drawing/2010/main">
                 <a:solidFill>
                   <a:srgbClr val="FFFFFF"/>
                 </a:solidFill>
               </a14:hiddenFill>
             </a:ext>
-            <a:ext uri="{91240B29-F687-4f45-9708-019B960494DF}">
+            <a:ext uri="{91240B29-F687-4F45-9708-019B960494DF}">
               <a14:hiddenLine xmlns:a14="http://schemas.microsoft.com/office/drawing/2010/main" w="9525">
                 <a:solidFill>
                   <a:srgbClr val="000000"/>
@@ -501,7 +501,7 @@
   <p:timing>
     <p:tnLst>
       <p:par>
-        <p:cTn xmlns:p14="http://schemas.microsoft.com/office/powerpoint/2010/main" id="1" dur="indefinite" restart="never" nodeType="tmRoot"/>
+        <p:cTn id="1" dur="indefinite" restart="never" nodeType="tmRoot"/>
       </p:par>
     </p:tnLst>
   </p:timing>
@@ -921,6 +921,47 @@
           <a:chExt cx="0" cy="0"/>
         </a:xfrm>
       </p:grpSpPr>
+      <p:pic>
+        <p:nvPicPr>
+          <p:cNvPr id="1027" name="Picture 3" descr="C:\Users\chrig\Downloads\Screenshot_20160104-084546.png"/>
+          <p:cNvPicPr>
+            <a:picLocks noChangeAspect="1" noChangeArrowheads="1"/>
+          </p:cNvPicPr>
+          <p:nvPr/>
+        </p:nvPicPr>
+        <p:blipFill>
+          <a:blip r:embed="rId2">
+            <a:extLst>
+              <a:ext uri="{28A0092B-C50C-407E-A947-70E740481C1C}">
+                <a14:useLocalDpi xmlns:a14="http://schemas.microsoft.com/office/drawing/2010/main" val="0"/>
+              </a:ext>
+            </a:extLst>
+          </a:blip>
+          <a:srcRect/>
+          <a:stretch>
+            <a:fillRect/>
+          </a:stretch>
+        </p:blipFill>
+        <p:spPr bwMode="auto">
+          <a:xfrm>
+            <a:off x="23283504" y="2116309"/>
+            <a:ext cx="5949347" cy="10576617"/>
+          </a:xfrm>
+          <a:prstGeom prst="rect">
+            <a:avLst/>
+          </a:prstGeom>
+          <a:noFill/>
+          <a:extLst>
+            <a:ext uri="{909E8E84-426E-40DD-AFC4-6F175D3DCCD1}">
+              <a14:hiddenFill xmlns:a14="http://schemas.microsoft.com/office/drawing/2010/main">
+                <a:solidFill>
+                  <a:srgbClr val="FFFFFF"/>
+                </a:solidFill>
+              </a14:hiddenFill>
+            </a:ext>
+          </a:extLst>
+        </p:spPr>
+      </p:pic>
       <p:sp>
         <p:nvSpPr>
           <p:cNvPr id="2" name="Textfeld 1" descr="Bitte möglichst die vorgegebene Breite einhalten! Sollte dieser Platz nicht reichen, kann im oberen Teil ein zusätzlicher längerer Titel verwendet werden." title="Titelfeld"/>
@@ -2055,7 +2096,7 @@
           <p:nvPr/>
         </p:nvPicPr>
         <p:blipFill>
-          <a:blip r:embed="rId2">
+          <a:blip r:embed="rId3">
             <a:extLst>
               <a:ext uri="{28A0092B-C50C-407E-A947-70E740481C1C}">
                 <a14:useLocalDpi xmlns:a14="http://schemas.microsoft.com/office/drawing/2010/main" val="0"/>
@@ -2077,7 +2118,7 @@
           </a:prstGeom>
           <a:noFill/>
           <a:extLst>
-            <a:ext uri="{909E8E84-426E-40dd-AFC4-6F175D3DCCD1}">
+            <a:ext uri="{909E8E84-426E-40DD-AFC4-6F175D3DCCD1}">
               <a14:hiddenFill xmlns:a14="http://schemas.microsoft.com/office/drawing/2010/main">
                 <a:solidFill>
                   <a:srgbClr val="FFFFFF"/>
@@ -2221,13 +2262,7 @@
               <a:rPr lang="en-GB" altLang="de-DE" sz="3200" dirty="0" smtClean="0">
                 <a:latin typeface="Lucida Sans" pitchFamily="34" charset="0"/>
               </a:rPr>
-              <a:t>network</a:t>
-            </a:r>
-            <a:r>
-              <a:rPr lang="en-GB" altLang="de-DE" sz="3200" dirty="0" smtClean="0">
-                <a:latin typeface="Lucida Sans" pitchFamily="34" charset="0"/>
-              </a:rPr>
-              <a:t>.</a:t>
+              <a:t>network.</a:t>
             </a:r>
           </a:p>
           <a:p>
@@ -2331,13 +2366,7 @@
               <a:rPr lang="en-US" altLang="de-DE" sz="3200" i="1" dirty="0" smtClean="0">
                 <a:latin typeface="Lucida Sans" pitchFamily="34" charset="0"/>
               </a:rPr>
-              <a:t>for more </a:t>
-            </a:r>
-            <a:r>
-              <a:rPr lang="en-US" altLang="de-DE" sz="3200" i="1" dirty="0" smtClean="0">
-                <a:latin typeface="Lucida Sans" pitchFamily="34" charset="0"/>
-              </a:rPr>
-              <a:t>information </a:t>
+              <a:t>for more information </a:t>
             </a:r>
             <a:r>
               <a:rPr lang="en-US" altLang="de-DE" sz="3200" i="1" dirty="0">
@@ -2359,14 +2388,14 @@
       </p:sp>
       <p:pic>
         <p:nvPicPr>
-          <p:cNvPr id="1026" name="Picture 2" descr="C:\Users\chrig\Downloads\Screenshot (31 Dec 2015 09-51-59).png"/>
+          <p:cNvPr id="5" name="Picture 2" descr="C:\Users\chrig\Downloads\Screenshot (4 Jan 2016 08-00-42)_framed.png"/>
           <p:cNvPicPr>
             <a:picLocks noChangeAspect="1" noChangeArrowheads="1"/>
           </p:cNvPicPr>
           <p:nvPr/>
         </p:nvPicPr>
         <p:blipFill>
-          <a:blip r:embed="rId3">
+          <a:blip r:embed="rId4">
             <a:extLst>
               <a:ext uri="{28A0092B-C50C-407E-A947-70E740481C1C}">
                 <a14:useLocalDpi xmlns:a14="http://schemas.microsoft.com/office/drawing/2010/main" val="0"/>
@@ -2380,16 +2409,15 @@
         </p:blipFill>
         <p:spPr bwMode="auto">
           <a:xfrm>
-            <a:off x="20602956" y="2116309"/>
-            <a:ext cx="5949347" cy="10576618"/>
+            <a:off x="20602955" y="2116309"/>
+            <a:ext cx="5586785" cy="10576617"/>
           </a:xfrm>
           <a:prstGeom prst="rect">
             <a:avLst/>
           </a:prstGeom>
           <a:noFill/>
-          <a:effectLst/>
           <a:extLst>
-            <a:ext uri="{909E8E84-426E-40dd-AFC4-6F175D3DCCD1}">
+            <a:ext uri="{909E8E84-426E-40DD-AFC4-6F175D3DCCD1}">
               <a14:hiddenFill xmlns:a14="http://schemas.microsoft.com/office/drawing/2010/main">
                 <a:solidFill>
                   <a:srgbClr val="FFFFFF"/>
@@ -2412,7 +2440,7 @@
   <p:timing>
     <p:tnLst>
       <p:par>
-        <p:cTn xmlns:p14="http://schemas.microsoft.com/office/powerpoint/2010/main" id="1" dur="indefinite" restart="never" nodeType="tmRoot"/>
+        <p:cTn id="1" dur="indefinite" restart="never" nodeType="tmRoot"/>
       </p:par>
     </p:tnLst>
   </p:timing>
@@ -2680,7 +2708,12 @@
 </file>
 
 <file path=customXml/item1.xml><?xml version="1.0" encoding="utf-8"?>
-<LongProperties xmlns="http://schemas.microsoft.com/office/2006/metadata/longProperties"/>
+<?mso-contentType ?>
+<FormTemplates xmlns="http://schemas.microsoft.com/sharepoint/v3/contenttype/forms">
+  <Display>DocumentLibraryForm</Display>
+  <Edit>DocumentLibraryForm</Edit>
+  <New>DocumentLibraryForm</New>
+</FormTemplates>
 </file>
 
 <file path=customXml/item2.xml><?xml version="1.0" encoding="utf-8"?>
@@ -2829,12 +2862,7 @@
 </file>
 
 <file path=customXml/item3.xml><?xml version="1.0" encoding="utf-8"?>
-<?mso-contentType ?>
-<FormTemplates xmlns="http://schemas.microsoft.com/sharepoint/v3/contenttype/forms">
-  <Display>DocumentLibraryForm</Display>
-  <Edit>DocumentLibraryForm</Edit>
-  <New>DocumentLibraryForm</New>
-</FormTemplates>
+<LongProperties xmlns="http://schemas.microsoft.com/office/2006/metadata/longProperties"/>
 </file>
 
 <file path=customXml/item4.xml><?xml version="1.0" encoding="utf-8"?>
@@ -2856,9 +2884,9 @@
 </file>
 
 <file path=customXml/itemProps1.xml><?xml version="1.0" encoding="utf-8"?>
-<ds:datastoreItem xmlns:ds="http://schemas.openxmlformats.org/officeDocument/2006/customXml" ds:itemID="{34ACECAE-8DDC-4218-ADDE-80828E100BF5}">
+<ds:datastoreItem xmlns:ds="http://schemas.openxmlformats.org/officeDocument/2006/customXml" ds:itemID="{47870AFC-B140-4E73-B0E2-054A74E7EB25}">
   <ds:schemaRefs>
-    <ds:schemaRef ds:uri="http://schemas.microsoft.com/office/2006/metadata/longProperties"/>
+    <ds:schemaRef ds:uri="http://schemas.microsoft.com/sharepoint/v3/contenttype/forms"/>
   </ds:schemaRefs>
 </ds:datastoreItem>
 </file>
@@ -2883,9 +2911,9 @@
 </file>
 
 <file path=customXml/itemProps3.xml><?xml version="1.0" encoding="utf-8"?>
-<ds:datastoreItem xmlns:ds="http://schemas.openxmlformats.org/officeDocument/2006/customXml" ds:itemID="{47870AFC-B140-4E73-B0E2-054A74E7EB25}">
+<ds:datastoreItem xmlns:ds="http://schemas.openxmlformats.org/officeDocument/2006/customXml" ds:itemID="{34ACECAE-8DDC-4218-ADDE-80828E100BF5}">
   <ds:schemaRefs>
-    <ds:schemaRef ds:uri="http://schemas.microsoft.com/sharepoint/v3/contenttype/forms"/>
+    <ds:schemaRef ds:uri="http://schemas.microsoft.com/office/2006/metadata/longProperties"/>
   </ds:schemaRefs>
 </ds:datastoreItem>
 </file>

--- a/poster/Poster A1, Bitmessage for Android, Christian Basler.pptx
+++ b/poster/Poster A1, Bitmessage for Android, Christian Basler.pptx
@@ -188,14 +188,14 @@
             <a:noFill/>
           </a:ln>
           <a:extLst>
-            <a:ext uri="{909E8E84-426E-40DD-AFC4-6F175D3DCCD1}">
+            <a:ext uri="{909E8E84-426E-40dd-AFC4-6F175D3DCCD1}">
               <a14:hiddenFill xmlns:a14="http://schemas.microsoft.com/office/drawing/2010/main">
                 <a:solidFill>
                   <a:srgbClr val="FFFFFF"/>
                 </a:solidFill>
               </a14:hiddenFill>
             </a:ext>
-            <a:ext uri="{91240B29-F687-4F45-9708-019B960494DF}">
+            <a:ext uri="{91240B29-F687-4f45-9708-019B960494DF}">
               <a14:hiddenLine xmlns:a14="http://schemas.microsoft.com/office/drawing/2010/main" w="9525">
                 <a:solidFill>
                   <a:srgbClr val="000000"/>
@@ -273,14 +273,14 @@
             <a:noFill/>
           </a:ln>
           <a:extLst>
-            <a:ext uri="{909E8E84-426E-40DD-AFC4-6F175D3DCCD1}">
+            <a:ext uri="{909E8E84-426E-40dd-AFC4-6F175D3DCCD1}">
               <a14:hiddenFill xmlns:a14="http://schemas.microsoft.com/office/drawing/2010/main">
                 <a:solidFill>
                   <a:srgbClr val="FFFFFF"/>
                 </a:solidFill>
               </a14:hiddenFill>
             </a:ext>
-            <a:ext uri="{91240B29-F687-4F45-9708-019B960494DF}">
+            <a:ext uri="{91240B29-F687-4f45-9708-019B960494DF}">
               <a14:hiddenLine xmlns:a14="http://schemas.microsoft.com/office/drawing/2010/main" w="9525">
                 <a:solidFill>
                   <a:srgbClr val="000000"/>
@@ -501,7 +501,7 @@
   <p:timing>
     <p:tnLst>
       <p:par>
-        <p:cTn id="1" dur="indefinite" restart="never" nodeType="tmRoot"/>
+        <p:cTn xmlns:p14="http://schemas.microsoft.com/office/powerpoint/2010/main" id="1" dur="indefinite" restart="never" nodeType="tmRoot"/>
       </p:par>
     </p:tnLst>
   </p:timing>
@@ -952,7 +952,7 @@
           </a:prstGeom>
           <a:noFill/>
           <a:extLst>
-            <a:ext uri="{909E8E84-426E-40DD-AFC4-6F175D3DCCD1}">
+            <a:ext uri="{909E8E84-426E-40dd-AFC4-6F175D3DCCD1}">
               <a14:hiddenFill xmlns:a14="http://schemas.microsoft.com/office/drawing/2010/main">
                 <a:solidFill>
                   <a:srgbClr val="FFFFFF"/>
@@ -1568,7 +1568,7 @@
         <p:spPr>
           <a:xfrm>
             <a:off x="898776" y="896767"/>
-            <a:ext cx="8845847" cy="10002738"/>
+            <a:ext cx="8845847" cy="10495182"/>
           </a:xfrm>
           <a:prstGeom prst="rect">
             <a:avLst/>
@@ -1748,11 +1748,18 @@
               <a:defRPr/>
             </a:pPr>
             <a:r>
-              <a:rPr lang="en-GB" altLang="de-DE" sz="2800" dirty="0" smtClean="0">
+              <a:rPr lang="en-GB" altLang="de-DE" sz="2800" smtClean="0">
                 <a:latin typeface="Lucida Console"/>
                 <a:cs typeface="Lucida Console"/>
               </a:rPr>
-              <a:t>BM-2cWs84ik1Fj7jdJKrn3vDecxQbH9R4VS9r</a:t>
+              <a:t>BM</a:t>
+            </a:r>
+            <a:r>
+              <a:rPr lang="en-GB" altLang="de-DE" sz="2800">
+                <a:latin typeface="Lucida Console"/>
+                <a:cs typeface="Lucida Console"/>
+              </a:rPr>
+              <a:t>-2cUau5uxBYCK2Z2TVwUZnnNfYW5yyutekC</a:t>
             </a:r>
             <a:endParaRPr lang="en-GB" altLang="de-DE" sz="2800" dirty="0">
               <a:latin typeface="Lucida Console"/>
@@ -2118,7 +2125,7 @@
           </a:prstGeom>
           <a:noFill/>
           <a:extLst>
-            <a:ext uri="{909E8E84-426E-40DD-AFC4-6F175D3DCCD1}">
+            <a:ext uri="{909E8E84-426E-40dd-AFC4-6F175D3DCCD1}">
               <a14:hiddenFill xmlns:a14="http://schemas.microsoft.com/office/drawing/2010/main">
                 <a:solidFill>
                   <a:srgbClr val="FFFFFF"/>
@@ -2417,7 +2424,7 @@
           </a:prstGeom>
           <a:noFill/>
           <a:extLst>
-            <a:ext uri="{909E8E84-426E-40DD-AFC4-6F175D3DCCD1}">
+            <a:ext uri="{909E8E84-426E-40dd-AFC4-6F175D3DCCD1}">
               <a14:hiddenFill xmlns:a14="http://schemas.microsoft.com/office/drawing/2010/main">
                 <a:solidFill>
                   <a:srgbClr val="FFFFFF"/>
@@ -2440,7 +2447,7 @@
   <p:timing>
     <p:tnLst>
       <p:par>
-        <p:cTn id="1" dur="indefinite" restart="never" nodeType="tmRoot"/>
+        <p:cTn xmlns:p14="http://schemas.microsoft.com/office/powerpoint/2010/main" id="1" dur="indefinite" restart="never" nodeType="tmRoot"/>
       </p:par>
     </p:tnLst>
   </p:timing>
@@ -2708,6 +2715,28 @@
 </file>
 
 <file path=customXml/item1.xml><?xml version="1.0" encoding="utf-8"?>
+<LongProperties xmlns="http://schemas.microsoft.com/office/2006/metadata/longProperties"/>
+</file>
+
+<file path=customXml/item2.xml><?xml version="1.0" encoding="utf-8"?>
+<p:properties xmlns:p="http://schemas.microsoft.com/office/2006/metadata/properties" xmlns:xsi="http://www.w3.org/2001/XMLSchema-instance" xmlns:pc="http://schemas.microsoft.com/office/infopath/2007/PartnerControls">
+  <documentManagement>
+    <BfhIntranetDepartmentText xmlns="63c724b1-652e-424f-8d99-4ee509067280">
+      <Terms xmlns="http://schemas.microsoft.com/office/infopath/2007/PartnerControls">
+        <TermInfo xmlns="http://schemas.microsoft.com/office/infopath/2007/PartnerControls">
+          <TermName xmlns="http://schemas.microsoft.com/office/infopath/2007/PartnerControls">Vorlage</TermName>
+          <TermId xmlns="http://schemas.microsoft.com/office/infopath/2007/PartnerControls">de1a6d3c-ac6a-4b34-8edd-308eb81066db</TermId>
+        </TermInfo>
+      </Terms>
+    </BfhIntranetDepartmentText>
+    <TaxCatchAll xmlns="2551ef7e-3b29-44d1-a8ad-ef34c26bfc60">
+      <Value>241</Value>
+    </TaxCatchAll>
+  </documentManagement>
+</p:properties>
+</file>
+
+<file path=customXml/item3.xml><?xml version="1.0" encoding="utf-8"?>
 <?mso-contentType ?>
 <FormTemplates xmlns="http://schemas.microsoft.com/sharepoint/v3/contenttype/forms">
   <Display>DocumentLibraryForm</Display>
@@ -2716,7 +2745,7 @@
 </FormTemplates>
 </file>
 
-<file path=customXml/item2.xml><?xml version="1.0" encoding="utf-8"?>
+<file path=customXml/item4.xml><?xml version="1.0" encoding="utf-8"?>
 <ct:contentTypeSchema xmlns:ct="http://schemas.microsoft.com/office/2006/metadata/contentType" xmlns:ma="http://schemas.microsoft.com/office/2006/metadata/properties/metaAttributes" ct:_="" ma:_="" ma:contentTypeName="BFH Document" ma:contentTypeID="0x0101009127C3B567804923A8661E062BBD8EF500562C9D82744B284A86093F1D9B579BDC" ma:contentTypeVersion="2" ma:contentTypeDescription="Ein neues Dokument erstellen." ma:contentTypeScope="" ma:versionID="9c45b5bf27c78835ceac1d8ed0ad849b">
   <xsd:schema xmlns:xsd="http://www.w3.org/2001/XMLSchema" xmlns:xs="http://www.w3.org/2001/XMLSchema" xmlns:p="http://schemas.microsoft.com/office/2006/metadata/properties" xmlns:ns2="63c724b1-652e-424f-8d99-4ee509067280" xmlns:ns3="2551ef7e-3b29-44d1-a8ad-ef34c26bfc60" targetNamespace="http://schemas.microsoft.com/office/2006/metadata/properties" ma:root="true" ma:fieldsID="77ddedd9f4909d73cfb737d3d691d0f9" ns2:_="" ns3:_="">
     <xsd:import namespace="63c724b1-652e-424f-8d99-4ee509067280"/>
@@ -2861,29 +2890,32 @@
 </ct:contentTypeSchema>
 </file>
 
-<file path=customXml/item3.xml><?xml version="1.0" encoding="utf-8"?>
-<LongProperties xmlns="http://schemas.microsoft.com/office/2006/metadata/longProperties"/>
+<file path=customXml/itemProps1.xml><?xml version="1.0" encoding="utf-8"?>
+<ds:datastoreItem xmlns:ds="http://schemas.openxmlformats.org/officeDocument/2006/customXml" ds:itemID="{34ACECAE-8DDC-4218-ADDE-80828E100BF5}">
+  <ds:schemaRefs>
+    <ds:schemaRef ds:uri="http://schemas.microsoft.com/office/2006/metadata/longProperties"/>
+  </ds:schemaRefs>
+</ds:datastoreItem>
 </file>
 
-<file path=customXml/item4.xml><?xml version="1.0" encoding="utf-8"?>
-<p:properties xmlns:p="http://schemas.microsoft.com/office/2006/metadata/properties" xmlns:xsi="http://www.w3.org/2001/XMLSchema-instance" xmlns:pc="http://schemas.microsoft.com/office/infopath/2007/PartnerControls">
-  <documentManagement>
-    <BfhIntranetDepartmentText xmlns="63c724b1-652e-424f-8d99-4ee509067280">
-      <Terms xmlns="http://schemas.microsoft.com/office/infopath/2007/PartnerControls">
-        <TermInfo xmlns="http://schemas.microsoft.com/office/infopath/2007/PartnerControls">
-          <TermName xmlns="http://schemas.microsoft.com/office/infopath/2007/PartnerControls">Vorlage</TermName>
-          <TermId xmlns="http://schemas.microsoft.com/office/infopath/2007/PartnerControls">de1a6d3c-ac6a-4b34-8edd-308eb81066db</TermId>
-        </TermInfo>
-      </Terms>
-    </BfhIntranetDepartmentText>
-    <TaxCatchAll xmlns="2551ef7e-3b29-44d1-a8ad-ef34c26bfc60">
-      <Value>241</Value>
-    </TaxCatchAll>
-  </documentManagement>
-</p:properties>
+<file path=customXml/itemProps2.xml><?xml version="1.0" encoding="utf-8"?>
+<ds:datastoreItem xmlns:ds="http://schemas.openxmlformats.org/officeDocument/2006/customXml" ds:itemID="{12310AE4-98C2-4A3E-BE75-5A8AB8823A32}">
+  <ds:schemaRefs>
+    <ds:schemaRef ds:uri="http://schemas.microsoft.com/office/2006/metadata/properties"/>
+    <ds:schemaRef ds:uri="http://schemas.microsoft.com/office/infopath/2007/PartnerControls"/>
+    <ds:schemaRef ds:uri="http://schemas.microsoft.com/office/2006/documentManagement/types"/>
+    <ds:schemaRef ds:uri="http://purl.org/dc/elements/1.1/"/>
+    <ds:schemaRef ds:uri="63c724b1-652e-424f-8d99-4ee509067280"/>
+    <ds:schemaRef ds:uri="http://purl.org/dc/terms/"/>
+    <ds:schemaRef ds:uri="http://www.w3.org/XML/1998/namespace"/>
+    <ds:schemaRef ds:uri="2551ef7e-3b29-44d1-a8ad-ef34c26bfc60"/>
+    <ds:schemaRef ds:uri="http://schemas.openxmlformats.org/package/2006/metadata/core-properties"/>
+    <ds:schemaRef ds:uri="http://purl.org/dc/dcmitype/"/>
+  </ds:schemaRefs>
+</ds:datastoreItem>
 </file>
 
-<file path=customXml/itemProps1.xml><?xml version="1.0" encoding="utf-8"?>
+<file path=customXml/itemProps3.xml><?xml version="1.0" encoding="utf-8"?>
 <ds:datastoreItem xmlns:ds="http://schemas.openxmlformats.org/officeDocument/2006/customXml" ds:itemID="{47870AFC-B140-4E73-B0E2-054A74E7EB25}">
   <ds:schemaRefs>
     <ds:schemaRef ds:uri="http://schemas.microsoft.com/sharepoint/v3/contenttype/forms"/>
@@ -2891,7 +2923,7 @@
 </ds:datastoreItem>
 </file>
 
-<file path=customXml/itemProps2.xml><?xml version="1.0" encoding="utf-8"?>
+<file path=customXml/itemProps4.xml><?xml version="1.0" encoding="utf-8"?>
 <ds:datastoreItem xmlns:ds="http://schemas.openxmlformats.org/officeDocument/2006/customXml" ds:itemID="{064F56C1-3E03-4158-81FF-45AFD11405FB}">
   <ds:schemaRefs>
     <ds:schemaRef ds:uri="http://schemas.microsoft.com/office/2006/metadata/contentType"/>
@@ -2908,29 +2940,4 @@
     <ds:schemaRef ds:uri="http://schemas.microsoft.com/internal/obd"/>
   </ds:schemaRefs>
 </ds:datastoreItem>
-</file>
-
-<file path=customXml/itemProps3.xml><?xml version="1.0" encoding="utf-8"?>
-<ds:datastoreItem xmlns:ds="http://schemas.openxmlformats.org/officeDocument/2006/customXml" ds:itemID="{34ACECAE-8DDC-4218-ADDE-80828E100BF5}">
-  <ds:schemaRefs>
-    <ds:schemaRef ds:uri="http://schemas.microsoft.com/office/2006/metadata/longProperties"/>
-  </ds:schemaRefs>
-</ds:datastoreItem>
-</file>
-
-<file path=customXml/itemProps4.xml><?xml version="1.0" encoding="utf-8"?>
-<ds:datastoreItem xmlns:ds="http://schemas.openxmlformats.org/officeDocument/2006/customXml" ds:itemID="{12310AE4-98C2-4A3E-BE75-5A8AB8823A32}">
-  <ds:schemaRefs>
-    <ds:schemaRef ds:uri="http://schemas.microsoft.com/office/2006/metadata/properties"/>
-    <ds:schemaRef ds:uri="http://schemas.microsoft.com/office/infopath/2007/PartnerControls"/>
-    <ds:schemaRef ds:uri="http://schemas.microsoft.com/office/2006/documentManagement/types"/>
-    <ds:schemaRef ds:uri="http://purl.org/dc/elements/1.1/"/>
-    <ds:schemaRef ds:uri="63c724b1-652e-424f-8d99-4ee509067280"/>
-    <ds:schemaRef ds:uri="http://purl.org/dc/terms/"/>
-    <ds:schemaRef ds:uri="http://www.w3.org/XML/1998/namespace"/>
-    <ds:schemaRef ds:uri="2551ef7e-3b29-44d1-a8ad-ef34c26bfc60"/>
-    <ds:schemaRef ds:uri="http://schemas.openxmlformats.org/package/2006/metadata/core-properties"/>
-    <ds:schemaRef ds:uri="http://purl.org/dc/dcmitype/"/>
-  </ds:schemaRefs>
-</ds:datastoreItem>
 </file>
--- a/poster/Poster A1, Bitmessage for Android, Christian Basler.pptx
+++ b/poster/Poster A1, Bitmessage for Android, Christian Basler.pptx
@@ -987,11 +987,7 @@
             <a:pPr algn="ctr"/>
             <a:r>
               <a:rPr lang="en-US" sz="8000" dirty="0"/>
-              <a:t>An Android Client for </a:t>
-            </a:r>
-            <a:r>
-              <a:rPr lang="en-US" sz="8000" dirty="0" err="1"/>
-              <a:t>Bitmessage</a:t>
+              <a:t>An Android Client for Bitmessage</a:t>
             </a:r>
             <a:endParaRPr lang="en-GB" sz="8000" dirty="0">
               <a:latin typeface="+mj-lt"/>
@@ -1281,24 +1277,7 @@
                           <a:ea typeface="MS PGothic" pitchFamily="34" charset="-128"/>
                           <a:cs typeface="+mn-cs"/>
                         </a:rPr>
-                        <a:t>Dr. Kai </a:t>
-                      </a:r>
-                      <a:r>
-                        <a:rPr kumimoji="0" lang="de-CH" sz="3200" b="0" i="0" u="none" strike="noStrike" kern="1200" cap="none" spc="0" normalizeH="0" baseline="0" dirty="0" err="1" smtClean="0">
-                          <a:ln>
-                            <a:noFill/>
-                          </a:ln>
-                          <a:solidFill>
-                            <a:srgbClr val="697D91"/>
-                          </a:solidFill>
-                          <a:effectLst/>
-                          <a:uLnTx/>
-                          <a:uFillTx/>
-                          <a:latin typeface="Lucida Sans" pitchFamily="34" charset="0"/>
-                          <a:ea typeface="MS PGothic" pitchFamily="34" charset="-128"/>
-                          <a:cs typeface="+mn-cs"/>
-                        </a:rPr>
-                        <a:t>Brünnler</a:t>
+                        <a:t>Dr. Kai Brünnler</a:t>
                       </a:r>
                       <a:endParaRPr kumimoji="0" lang="fr-CH" sz="3200" b="0" i="0" u="none" strike="noStrike" kern="1200" cap="none" spc="0" normalizeH="0" baseline="0" dirty="0">
                         <a:ln>
@@ -1748,14 +1727,14 @@
               <a:defRPr/>
             </a:pPr>
             <a:r>
-              <a:rPr lang="en-GB" altLang="de-DE" sz="2800" smtClean="0">
+              <a:rPr lang="en-GB" altLang="de-DE" sz="2800" dirty="0" smtClean="0">
                 <a:latin typeface="Lucida Console"/>
                 <a:cs typeface="Lucida Console"/>
               </a:rPr>
               <a:t>BM</a:t>
             </a:r>
             <a:r>
-              <a:rPr lang="en-GB" altLang="de-DE" sz="2800">
+              <a:rPr lang="en-GB" altLang="de-DE" sz="2800" dirty="0">
                 <a:latin typeface="Lucida Console"/>
                 <a:cs typeface="Lucida Console"/>
               </a:rPr>
@@ -2212,16 +2191,10 @@
               <a:defRPr/>
             </a:pPr>
             <a:r>
-              <a:rPr lang="en-GB" altLang="de-DE" sz="3200" dirty="0" err="1" smtClean="0">
-                <a:latin typeface="Lucida Sans" pitchFamily="34" charset="0"/>
-              </a:rPr>
-              <a:t>Abit</a:t>
-            </a:r>
-            <a:r>
               <a:rPr lang="en-GB" altLang="de-DE" sz="3200" dirty="0" smtClean="0">
                 <a:latin typeface="Lucida Sans" pitchFamily="34" charset="0"/>
               </a:rPr>
-              <a:t> looks </a:t>
+              <a:t>Abit looks </a:t>
             </a:r>
             <a:r>
               <a:rPr lang="en-GB" altLang="de-DE" sz="3200" dirty="0">
@@ -2355,7 +2328,7 @@
               <a:t>dissem.ch/</a:t>
             </a:r>
             <a:r>
-              <a:rPr lang="en-US" altLang="de-DE" sz="3200" b="1" i="1" dirty="0" err="1">
+              <a:rPr lang="en-US" altLang="de-DE" sz="3200" b="1" i="1" dirty="0">
                 <a:solidFill>
                   <a:srgbClr val="0070C0"/>
                 </a:solidFill>
